--- a/ppt/dotNet17-Async.pptx
+++ b/ppt/dotNet17-Async.pptx
@@ -23,8 +23,8 @@
     <p:sldId id="276" r:id="rId11"/>
     <p:sldId id="279" r:id="rId12"/>
     <p:sldId id="278" r:id="rId13"/>
-    <p:sldId id="280" r:id="rId14"/>
-    <p:sldId id="291" r:id="rId15"/>
+    <p:sldId id="291" r:id="rId14"/>
+    <p:sldId id="280" r:id="rId15"/>
     <p:sldId id="281" r:id="rId16"/>
     <p:sldId id="282" r:id="rId17"/>
     <p:sldId id="283" r:id="rId18"/>
@@ -5422,7 +5422,7 @@
           <p:cNvPr id="2" name="Titre 1">
             <a:extLst>
               <a:ext uri="{FF2B5EF4-FFF2-40B4-BE49-F238E27FC236}">
-                <a16:creationId xmlns:a16="http://schemas.microsoft.com/office/drawing/2014/main" id="{DC67D3A4-D613-3DCF-6202-6AFB2ED2228C}"/>
+                <a16:creationId xmlns:a16="http://schemas.microsoft.com/office/drawing/2014/main" id="{8E093BF7-5381-597B-A2CA-27DC71BFC4F8}"/>
               </a:ext>
             </a:extLst>
           </p:cNvPr>
@@ -5439,13 +5439,14 @@
           <a:lstStyle/>
           <a:p>
             <a:r>
+              <a:rPr lang="fr-FR" dirty="0"/>
+              <a:t>Exemple </a:t>
+            </a:r>
+            <a:r>
               <a:rPr lang="fr-FR" dirty="0" err="1"/>
-              <a:t>Await</a:t>
-            </a:r>
-            <a:r>
-              <a:rPr lang="fr-FR" dirty="0"/>
-              <a:t> et Callback</a:t>
-            </a:r>
+              <a:t>Async</a:t>
+            </a:r>
+            <a:endParaRPr lang="fr-FR" dirty="0"/>
           </a:p>
         </p:txBody>
       </p:sp>
@@ -5454,7 +5455,7 @@
           <p:cNvPr id="3" name="Espace réservé du contenu 2">
             <a:extLst>
               <a:ext uri="{FF2B5EF4-FFF2-40B4-BE49-F238E27FC236}">
-                <a16:creationId xmlns:a16="http://schemas.microsoft.com/office/drawing/2014/main" id="{C5B816DE-78FD-DC63-34F6-CD9338BEA0CE}"/>
+                <a16:creationId xmlns:a16="http://schemas.microsoft.com/office/drawing/2014/main" id="{4807574C-ECE6-6451-6296-BF650283DE0B}"/>
               </a:ext>
             </a:extLst>
           </p:cNvPr>
@@ -5470,104 +5471,1465 @@
           <a:bodyPr/>
           <a:lstStyle/>
           <a:p>
-            <a:r>
-              <a:rPr lang="fr-FR" dirty="0"/>
-              <a:t>Ces méthodes sont </a:t>
-            </a:r>
-            <a:r>
-              <a:rPr lang="fr-FR" dirty="0" err="1"/>
+            <a:pPr marL="0" indent="0">
+              <a:buNone/>
+            </a:pPr>
+            <a:r>
+              <a:rPr lang="fr-FR" sz="1400" dirty="0">
+                <a:solidFill>
+                  <a:srgbClr val="0000FF"/>
+                </a:solidFill>
+                <a:highlight>
+                  <a:srgbClr val="FFFFFF"/>
+                </a:highlight>
+                <a:latin typeface="Cascadia Mono" panose="020B0609020000020004" pitchFamily="49" charset="0"/>
+              </a:rPr>
+              <a:t>public</a:t>
+            </a:r>
+            <a:r>
+              <a:rPr lang="fr-FR" sz="1400" dirty="0">
+                <a:solidFill>
+                  <a:srgbClr val="000000"/>
+                </a:solidFill>
+                <a:highlight>
+                  <a:srgbClr val="FFFFFF"/>
+                </a:highlight>
+                <a:latin typeface="Cascadia Mono" panose="020B0609020000020004" pitchFamily="49" charset="0"/>
+              </a:rPr>
+              <a:t> </a:t>
+            </a:r>
+            <a:r>
+              <a:rPr lang="fr-FR" sz="1400" dirty="0">
+                <a:solidFill>
+                  <a:srgbClr val="0000FF"/>
+                </a:solidFill>
+                <a:highlight>
+                  <a:srgbClr val="FFFFFF"/>
+                </a:highlight>
+                <a:latin typeface="Cascadia Mono" panose="020B0609020000020004" pitchFamily="49" charset="0"/>
+              </a:rPr>
+              <a:t>class</a:t>
+            </a:r>
+            <a:r>
+              <a:rPr lang="fr-FR" sz="1400" dirty="0">
+                <a:solidFill>
+                  <a:srgbClr val="000000"/>
+                </a:solidFill>
+                <a:highlight>
+                  <a:srgbClr val="FFFFFF"/>
+                </a:highlight>
+                <a:latin typeface="Cascadia Mono" panose="020B0609020000020004" pitchFamily="49" charset="0"/>
+              </a:rPr>
+              <a:t> </a:t>
+            </a:r>
+            <a:r>
+              <a:rPr lang="fr-FR" sz="1400" dirty="0" err="1">
+                <a:solidFill>
+                  <a:srgbClr val="2B91AF"/>
+                </a:solidFill>
+                <a:highlight>
+                  <a:srgbClr val="FFFFFF"/>
+                </a:highlight>
+                <a:latin typeface="Cascadia Mono" panose="020B0609020000020004" pitchFamily="49" charset="0"/>
+              </a:rPr>
+              <a:t>DummyDelayResource</a:t>
+            </a:r>
+            <a:endParaRPr lang="fr-FR" sz="1400" dirty="0">
+              <a:solidFill>
+                <a:srgbClr val="2B91AF"/>
+              </a:solidFill>
+              <a:highlight>
+                <a:srgbClr val="FFFFFF"/>
+              </a:highlight>
+              <a:latin typeface="Cascadia Mono" panose="020B0609020000020004" pitchFamily="49" charset="0"/>
+            </a:endParaRPr>
+          </a:p>
+          <a:p>
+            <a:pPr marL="0" indent="0">
+              <a:buNone/>
+            </a:pPr>
+            <a:r>
+              <a:rPr lang="fr-FR" sz="1400" dirty="0">
+                <a:solidFill>
+                  <a:srgbClr val="000000"/>
+                </a:solidFill>
+                <a:highlight>
+                  <a:srgbClr val="FFFFFF"/>
+                </a:highlight>
+                <a:latin typeface="Cascadia Mono" panose="020B0609020000020004" pitchFamily="49" charset="0"/>
+              </a:rPr>
+              <a:t>{</a:t>
+            </a:r>
+          </a:p>
+          <a:p>
+            <a:pPr marL="0" indent="0">
+              <a:buNone/>
+            </a:pPr>
+            <a:r>
+              <a:rPr lang="fr-FR" sz="1400" dirty="0">
+                <a:solidFill>
+                  <a:srgbClr val="000000"/>
+                </a:solidFill>
+                <a:highlight>
+                  <a:srgbClr val="FFFFFF"/>
+                </a:highlight>
+                <a:latin typeface="Cascadia Mono" panose="020B0609020000020004" pitchFamily="49" charset="0"/>
+              </a:rPr>
+              <a:t>    </a:t>
+            </a:r>
+            <a:r>
+              <a:rPr lang="fr-FR" sz="1400" dirty="0">
+                <a:solidFill>
+                  <a:srgbClr val="0000FF"/>
+                </a:solidFill>
+                <a:highlight>
+                  <a:srgbClr val="FFFFFF"/>
+                </a:highlight>
+                <a:latin typeface="Cascadia Mono" panose="020B0609020000020004" pitchFamily="49" charset="0"/>
+              </a:rPr>
+              <a:t>public</a:t>
+            </a:r>
+            <a:r>
+              <a:rPr lang="fr-FR" sz="1400" dirty="0">
+                <a:solidFill>
+                  <a:srgbClr val="000000"/>
+                </a:solidFill>
+                <a:highlight>
+                  <a:srgbClr val="FFFFFF"/>
+                </a:highlight>
+                <a:latin typeface="Cascadia Mono" panose="020B0609020000020004" pitchFamily="49" charset="0"/>
+              </a:rPr>
+              <a:t> </a:t>
+            </a:r>
+            <a:r>
+              <a:rPr lang="fr-FR" sz="1400" dirty="0" err="1">
+                <a:solidFill>
+                  <a:srgbClr val="2B91AF"/>
+                </a:solidFill>
+                <a:highlight>
+                  <a:srgbClr val="FFFFFF"/>
+                </a:highlight>
+                <a:latin typeface="Cascadia Mono" panose="020B0609020000020004" pitchFamily="49" charset="0"/>
+              </a:rPr>
+              <a:t>Task</a:t>
+            </a:r>
+            <a:r>
+              <a:rPr lang="fr-FR" sz="1400" dirty="0">
+                <a:solidFill>
+                  <a:srgbClr val="000000"/>
+                </a:solidFill>
+                <a:highlight>
+                  <a:srgbClr val="FFFFFF"/>
+                </a:highlight>
+                <a:latin typeface="Cascadia Mono" panose="020B0609020000020004" pitchFamily="49" charset="0"/>
+              </a:rPr>
+              <a:t> </a:t>
+            </a:r>
+            <a:r>
+              <a:rPr lang="fr-FR" sz="1400" dirty="0" err="1">
+                <a:solidFill>
+                  <a:srgbClr val="000000"/>
+                </a:solidFill>
+                <a:highlight>
+                  <a:srgbClr val="FFFFFF"/>
+                </a:highlight>
+                <a:latin typeface="Cascadia Mono" panose="020B0609020000020004" pitchFamily="49" charset="0"/>
+              </a:rPr>
+              <a:t>SendEmailAsync</a:t>
+            </a:r>
+            <a:r>
+              <a:rPr lang="fr-FR" sz="1400" dirty="0">
+                <a:solidFill>
+                  <a:srgbClr val="000000"/>
+                </a:solidFill>
+                <a:highlight>
+                  <a:srgbClr val="FFFFFF"/>
+                </a:highlight>
+                <a:latin typeface="Cascadia Mono" panose="020B0609020000020004" pitchFamily="49" charset="0"/>
+              </a:rPr>
+              <a:t>()</a:t>
+            </a:r>
+          </a:p>
+          <a:p>
+            <a:pPr marL="0" indent="0">
+              <a:buNone/>
+            </a:pPr>
+            <a:r>
+              <a:rPr lang="fr-FR" sz="1400" dirty="0">
+                <a:solidFill>
+                  <a:srgbClr val="000000"/>
+                </a:solidFill>
+                <a:highlight>
+                  <a:srgbClr val="FFFFFF"/>
+                </a:highlight>
+                <a:latin typeface="Cascadia Mono" panose="020B0609020000020004" pitchFamily="49" charset="0"/>
+              </a:rPr>
+              <a:t>    {</a:t>
+            </a:r>
+          </a:p>
+          <a:p>
+            <a:pPr marL="0" indent="0">
+              <a:buNone/>
+            </a:pPr>
+            <a:r>
+              <a:rPr lang="fr-FR" sz="1400" dirty="0">
+                <a:solidFill>
+                  <a:srgbClr val="000000"/>
+                </a:solidFill>
+                <a:highlight>
+                  <a:srgbClr val="FFFFFF"/>
+                </a:highlight>
+                <a:latin typeface="Cascadia Mono" panose="020B0609020000020004" pitchFamily="49" charset="0"/>
+              </a:rPr>
+              <a:t>        </a:t>
+            </a:r>
+            <a:r>
+              <a:rPr lang="fr-FR" sz="1400" dirty="0" err="1">
+                <a:solidFill>
+                  <a:srgbClr val="2B91AF"/>
+                </a:solidFill>
+                <a:highlight>
+                  <a:srgbClr val="FFFFFF"/>
+                </a:highlight>
+                <a:latin typeface="Cascadia Mono" panose="020B0609020000020004" pitchFamily="49" charset="0"/>
+              </a:rPr>
+              <a:t>Console</a:t>
+            </a:r>
+            <a:r>
+              <a:rPr lang="fr-FR" sz="1400" dirty="0" err="1">
+                <a:solidFill>
+                  <a:srgbClr val="000000"/>
+                </a:solidFill>
+                <a:highlight>
+                  <a:srgbClr val="FFFFFF"/>
+                </a:highlight>
+                <a:latin typeface="Cascadia Mono" panose="020B0609020000020004" pitchFamily="49" charset="0"/>
+              </a:rPr>
+              <a:t>.WriteLine</a:t>
+            </a:r>
+            <a:r>
+              <a:rPr lang="fr-FR" sz="1400" dirty="0">
+                <a:solidFill>
+                  <a:srgbClr val="000000"/>
+                </a:solidFill>
+                <a:highlight>
+                  <a:srgbClr val="FFFFFF"/>
+                </a:highlight>
+                <a:latin typeface="Cascadia Mono" panose="020B0609020000020004" pitchFamily="49" charset="0"/>
+              </a:rPr>
+              <a:t>(</a:t>
+            </a:r>
+            <a:r>
+              <a:rPr lang="fr-FR" sz="1400" dirty="0">
+                <a:solidFill>
+                  <a:srgbClr val="A31515"/>
+                </a:solidFill>
+                <a:highlight>
+                  <a:srgbClr val="FFFFFF"/>
+                </a:highlight>
+                <a:latin typeface="Cascadia Mono" panose="020B0609020000020004" pitchFamily="49" charset="0"/>
+              </a:rPr>
+              <a:t>"[{0}] </a:t>
+            </a:r>
+            <a:r>
+              <a:rPr lang="fr-FR" sz="1400" dirty="0" err="1">
+                <a:solidFill>
+                  <a:srgbClr val="A31515"/>
+                </a:solidFill>
+                <a:highlight>
+                  <a:srgbClr val="FFFFFF"/>
+                </a:highlight>
+                <a:latin typeface="Cascadia Mono" panose="020B0609020000020004" pitchFamily="49" charset="0"/>
+              </a:rPr>
+              <a:t>SendMail</a:t>
+            </a:r>
+            <a:r>
+              <a:rPr lang="fr-FR" sz="1400" dirty="0">
+                <a:solidFill>
+                  <a:srgbClr val="A31515"/>
+                </a:solidFill>
+                <a:highlight>
+                  <a:srgbClr val="FFFFFF"/>
+                </a:highlight>
+                <a:latin typeface="Cascadia Mono" panose="020B0609020000020004" pitchFamily="49" charset="0"/>
+              </a:rPr>
+              <a:t> (fake)"</a:t>
+            </a:r>
+            <a:r>
+              <a:rPr lang="fr-FR" sz="1400" dirty="0">
+                <a:solidFill>
+                  <a:srgbClr val="000000"/>
+                </a:solidFill>
+                <a:highlight>
+                  <a:srgbClr val="FFFFFF"/>
+                </a:highlight>
+                <a:latin typeface="Cascadia Mono" panose="020B0609020000020004" pitchFamily="49" charset="0"/>
+              </a:rPr>
+              <a:t>, </a:t>
+            </a:r>
+            <a:r>
+              <a:rPr lang="fr-FR" sz="1400" dirty="0" err="1">
+                <a:solidFill>
+                  <a:srgbClr val="2B91AF"/>
+                </a:solidFill>
+                <a:highlight>
+                  <a:srgbClr val="FFFFFF"/>
+                </a:highlight>
+                <a:latin typeface="Cascadia Mono" panose="020B0609020000020004" pitchFamily="49" charset="0"/>
+              </a:rPr>
+              <a:t>DateTime</a:t>
+            </a:r>
+            <a:r>
+              <a:rPr lang="fr-FR" sz="1400" dirty="0" err="1">
+                <a:solidFill>
+                  <a:srgbClr val="000000"/>
+                </a:solidFill>
+                <a:highlight>
+                  <a:srgbClr val="FFFFFF"/>
+                </a:highlight>
+                <a:latin typeface="Cascadia Mono" panose="020B0609020000020004" pitchFamily="49" charset="0"/>
+              </a:rPr>
+              <a:t>.Now</a:t>
+            </a:r>
+            <a:r>
+              <a:rPr lang="fr-FR" sz="1400" dirty="0">
+                <a:solidFill>
+                  <a:srgbClr val="000000"/>
+                </a:solidFill>
+                <a:highlight>
+                  <a:srgbClr val="FFFFFF"/>
+                </a:highlight>
+                <a:latin typeface="Cascadia Mono" panose="020B0609020000020004" pitchFamily="49" charset="0"/>
+              </a:rPr>
+              <a:t>);</a:t>
+            </a:r>
+          </a:p>
+          <a:p>
+            <a:pPr marL="0" indent="0">
+              <a:buNone/>
+            </a:pPr>
+            <a:r>
+              <a:rPr lang="fr-FR" sz="1400" dirty="0">
+                <a:solidFill>
+                  <a:srgbClr val="000000"/>
+                </a:solidFill>
+                <a:highlight>
+                  <a:srgbClr val="FFFFFF"/>
+                </a:highlight>
+                <a:latin typeface="Cascadia Mono" panose="020B0609020000020004" pitchFamily="49" charset="0"/>
+              </a:rPr>
+              <a:t>        </a:t>
+            </a:r>
+            <a:r>
+              <a:rPr lang="fr-FR" sz="1400" dirty="0">
+                <a:solidFill>
+                  <a:srgbClr val="0000FF"/>
+                </a:solidFill>
+                <a:highlight>
+                  <a:srgbClr val="FFFFFF"/>
+                </a:highlight>
+                <a:latin typeface="Cascadia Mono" panose="020B0609020000020004" pitchFamily="49" charset="0"/>
+              </a:rPr>
+              <a:t>return</a:t>
+            </a:r>
+            <a:r>
+              <a:rPr lang="fr-FR" sz="1400" dirty="0">
+                <a:solidFill>
+                  <a:srgbClr val="000000"/>
+                </a:solidFill>
+                <a:highlight>
+                  <a:srgbClr val="FFFFFF"/>
+                </a:highlight>
+                <a:latin typeface="Cascadia Mono" panose="020B0609020000020004" pitchFamily="49" charset="0"/>
+              </a:rPr>
+              <a:t> </a:t>
+            </a:r>
+            <a:r>
+              <a:rPr lang="fr-FR" sz="1400" dirty="0" err="1">
+                <a:solidFill>
+                  <a:srgbClr val="2B91AF"/>
+                </a:solidFill>
+                <a:highlight>
+                  <a:srgbClr val="FFFFFF"/>
+                </a:highlight>
+                <a:latin typeface="Cascadia Mono" panose="020B0609020000020004" pitchFamily="49" charset="0"/>
+              </a:rPr>
+              <a:t>Task</a:t>
+            </a:r>
+            <a:r>
+              <a:rPr lang="fr-FR" sz="1400" dirty="0" err="1">
+                <a:solidFill>
+                  <a:srgbClr val="000000"/>
+                </a:solidFill>
+                <a:highlight>
+                  <a:srgbClr val="FFFFFF"/>
+                </a:highlight>
+                <a:latin typeface="Cascadia Mono" panose="020B0609020000020004" pitchFamily="49" charset="0"/>
+              </a:rPr>
+              <a:t>.Delay</a:t>
+            </a:r>
+            <a:r>
+              <a:rPr lang="fr-FR" sz="1400" dirty="0">
+                <a:solidFill>
+                  <a:srgbClr val="000000"/>
+                </a:solidFill>
+                <a:highlight>
+                  <a:srgbClr val="FFFFFF"/>
+                </a:highlight>
+                <a:latin typeface="Cascadia Mono" panose="020B0609020000020004" pitchFamily="49" charset="0"/>
+              </a:rPr>
+              <a:t>(2000);</a:t>
+            </a:r>
+          </a:p>
+          <a:p>
+            <a:pPr marL="0" indent="0">
+              <a:buNone/>
+            </a:pPr>
+            <a:r>
+              <a:rPr lang="fr-FR" sz="1400" dirty="0">
+                <a:solidFill>
+                  <a:srgbClr val="000000"/>
+                </a:solidFill>
+                <a:highlight>
+                  <a:srgbClr val="FFFFFF"/>
+                </a:highlight>
+                <a:latin typeface="Cascadia Mono" panose="020B0609020000020004" pitchFamily="49" charset="0"/>
+              </a:rPr>
+              <a:t>    }</a:t>
+            </a:r>
+          </a:p>
+          <a:p>
+            <a:pPr marL="0" indent="0">
+              <a:buNone/>
+            </a:pPr>
+            <a:r>
+              <a:rPr lang="en-US" sz="1400" dirty="0">
+                <a:solidFill>
+                  <a:srgbClr val="000000"/>
+                </a:solidFill>
+                <a:highlight>
+                  <a:srgbClr val="FFFFFF"/>
+                </a:highlight>
+                <a:latin typeface="Cascadia Mono" panose="020B0609020000020004" pitchFamily="49" charset="0"/>
+              </a:rPr>
+              <a:t>    </a:t>
+            </a:r>
+            <a:r>
+              <a:rPr lang="en-US" sz="1400" dirty="0">
+                <a:solidFill>
+                  <a:srgbClr val="0000FF"/>
+                </a:solidFill>
+                <a:highlight>
+                  <a:srgbClr val="FFFFFF"/>
+                </a:highlight>
+                <a:latin typeface="Cascadia Mono" panose="020B0609020000020004" pitchFamily="49" charset="0"/>
+              </a:rPr>
+              <a:t>public</a:t>
+            </a:r>
+            <a:r>
+              <a:rPr lang="en-US" sz="1400" dirty="0">
+                <a:solidFill>
+                  <a:srgbClr val="000000"/>
+                </a:solidFill>
+                <a:highlight>
+                  <a:srgbClr val="FFFFFF"/>
+                </a:highlight>
+                <a:latin typeface="Cascadia Mono" panose="020B0609020000020004" pitchFamily="49" charset="0"/>
+              </a:rPr>
+              <a:t> </a:t>
+            </a:r>
+            <a:r>
+              <a:rPr lang="en-US" sz="1400" dirty="0">
+                <a:solidFill>
+                  <a:srgbClr val="0000FF"/>
+                </a:solidFill>
+                <a:highlight>
+                  <a:srgbClr val="FFFFFF"/>
+                </a:highlight>
+                <a:latin typeface="Cascadia Mono" panose="020B0609020000020004" pitchFamily="49" charset="0"/>
+              </a:rPr>
               <a:t>async</a:t>
             </a:r>
             <a:r>
-              <a:rPr lang="fr-FR" dirty="0"/>
-              <a:t> car elles utilisent </a:t>
-            </a:r>
-            <a:r>
-              <a:rPr lang="fr-FR" dirty="0" err="1"/>
+              <a:rPr lang="en-US" sz="1400" dirty="0">
+                <a:solidFill>
+                  <a:srgbClr val="000000"/>
+                </a:solidFill>
+                <a:highlight>
+                  <a:srgbClr val="FFFFFF"/>
+                </a:highlight>
+                <a:latin typeface="Cascadia Mono" panose="020B0609020000020004" pitchFamily="49" charset="0"/>
+              </a:rPr>
+              <a:t> </a:t>
+            </a:r>
+            <a:r>
+              <a:rPr lang="en-US" sz="1400" dirty="0">
+                <a:solidFill>
+                  <a:srgbClr val="2B91AF"/>
+                </a:solidFill>
+                <a:highlight>
+                  <a:srgbClr val="FFFFFF"/>
+                </a:highlight>
+                <a:latin typeface="Cascadia Mono" panose="020B0609020000020004" pitchFamily="49" charset="0"/>
+              </a:rPr>
+              <a:t>Task</a:t>
+            </a:r>
+            <a:r>
+              <a:rPr lang="en-US" sz="1400" dirty="0">
+                <a:solidFill>
+                  <a:srgbClr val="000000"/>
+                </a:solidFill>
+                <a:highlight>
+                  <a:srgbClr val="FFFFFF"/>
+                </a:highlight>
+                <a:latin typeface="Cascadia Mono" panose="020B0609020000020004" pitchFamily="49" charset="0"/>
+              </a:rPr>
+              <a:t>&lt;</a:t>
+            </a:r>
+            <a:r>
+              <a:rPr lang="en-US" sz="1400" dirty="0">
+                <a:solidFill>
+                  <a:srgbClr val="0000FF"/>
+                </a:solidFill>
+                <a:highlight>
+                  <a:srgbClr val="FFFFFF"/>
+                </a:highlight>
+                <a:latin typeface="Cascadia Mono" panose="020B0609020000020004" pitchFamily="49" charset="0"/>
+              </a:rPr>
+              <a:t>int</a:t>
+            </a:r>
+            <a:r>
+              <a:rPr lang="en-US" sz="1400" dirty="0">
+                <a:solidFill>
+                  <a:srgbClr val="000000"/>
+                </a:solidFill>
+                <a:highlight>
+                  <a:srgbClr val="FFFFFF"/>
+                </a:highlight>
+                <a:latin typeface="Cascadia Mono" panose="020B0609020000020004" pitchFamily="49" charset="0"/>
+              </a:rPr>
+              <a:t>&gt; </a:t>
+            </a:r>
+            <a:r>
+              <a:rPr lang="en-US" sz="1400" dirty="0" err="1">
+                <a:solidFill>
+                  <a:srgbClr val="000000"/>
+                </a:solidFill>
+                <a:highlight>
+                  <a:srgbClr val="FFFFFF"/>
+                </a:highlight>
+                <a:latin typeface="Cascadia Mono" panose="020B0609020000020004" pitchFamily="49" charset="0"/>
+              </a:rPr>
+              <a:t>GetRandomNumberAsync</a:t>
+            </a:r>
+            <a:r>
+              <a:rPr lang="en-US" sz="1400" dirty="0">
+                <a:solidFill>
+                  <a:srgbClr val="000000"/>
+                </a:solidFill>
+                <a:highlight>
+                  <a:srgbClr val="FFFFFF"/>
+                </a:highlight>
+                <a:latin typeface="Cascadia Mono" panose="020B0609020000020004" pitchFamily="49" charset="0"/>
+              </a:rPr>
+              <a:t>()</a:t>
+            </a:r>
+          </a:p>
+          <a:p>
+            <a:pPr marL="0" indent="0">
+              <a:buNone/>
+            </a:pPr>
+            <a:r>
+              <a:rPr lang="fr-FR" sz="1400" dirty="0">
+                <a:solidFill>
+                  <a:srgbClr val="000000"/>
+                </a:solidFill>
+                <a:highlight>
+                  <a:srgbClr val="FFFFFF"/>
+                </a:highlight>
+                <a:latin typeface="Cascadia Mono" panose="020B0609020000020004" pitchFamily="49" charset="0"/>
+              </a:rPr>
+              <a:t>    {</a:t>
+            </a:r>
+          </a:p>
+          <a:p>
+            <a:pPr marL="0" indent="0">
+              <a:buNone/>
+            </a:pPr>
+            <a:r>
+              <a:rPr lang="fr-FR" sz="1400" dirty="0">
+                <a:solidFill>
+                  <a:srgbClr val="000000"/>
+                </a:solidFill>
+                <a:highlight>
+                  <a:srgbClr val="FFFFFF"/>
+                </a:highlight>
+                <a:latin typeface="Cascadia Mono" panose="020B0609020000020004" pitchFamily="49" charset="0"/>
+              </a:rPr>
+              <a:t>        </a:t>
+            </a:r>
+            <a:r>
+              <a:rPr lang="fr-FR" sz="1400" dirty="0" err="1">
+                <a:solidFill>
+                  <a:srgbClr val="2B91AF"/>
+                </a:solidFill>
+                <a:highlight>
+                  <a:srgbClr val="FFFFFF"/>
+                </a:highlight>
+                <a:latin typeface="Cascadia Mono" panose="020B0609020000020004" pitchFamily="49" charset="0"/>
+              </a:rPr>
+              <a:t>Console</a:t>
+            </a:r>
+            <a:r>
+              <a:rPr lang="fr-FR" sz="1400" dirty="0" err="1">
+                <a:solidFill>
+                  <a:srgbClr val="000000"/>
+                </a:solidFill>
+                <a:highlight>
+                  <a:srgbClr val="FFFFFF"/>
+                </a:highlight>
+                <a:latin typeface="Cascadia Mono" panose="020B0609020000020004" pitchFamily="49" charset="0"/>
+              </a:rPr>
+              <a:t>.WriteLine</a:t>
+            </a:r>
+            <a:r>
+              <a:rPr lang="fr-FR" sz="1400" dirty="0">
+                <a:solidFill>
+                  <a:srgbClr val="000000"/>
+                </a:solidFill>
+                <a:highlight>
+                  <a:srgbClr val="FFFFFF"/>
+                </a:highlight>
+                <a:latin typeface="Cascadia Mono" panose="020B0609020000020004" pitchFamily="49" charset="0"/>
+              </a:rPr>
+              <a:t>(</a:t>
+            </a:r>
+            <a:r>
+              <a:rPr lang="fr-FR" sz="1400" dirty="0">
+                <a:solidFill>
+                  <a:srgbClr val="A31515"/>
+                </a:solidFill>
+                <a:highlight>
+                  <a:srgbClr val="FFFFFF"/>
+                </a:highlight>
+                <a:latin typeface="Cascadia Mono" panose="020B0609020000020004" pitchFamily="49" charset="0"/>
+              </a:rPr>
+              <a:t>"[{0}] </a:t>
+            </a:r>
+            <a:r>
+              <a:rPr lang="fr-FR" sz="1400" dirty="0" err="1">
+                <a:solidFill>
+                  <a:srgbClr val="A31515"/>
+                </a:solidFill>
+                <a:highlight>
+                  <a:srgbClr val="FFFFFF"/>
+                </a:highlight>
+                <a:latin typeface="Cascadia Mono" panose="020B0609020000020004" pitchFamily="49" charset="0"/>
+              </a:rPr>
+              <a:t>GetRandomNumber</a:t>
+            </a:r>
+            <a:r>
+              <a:rPr lang="fr-FR" sz="1400" dirty="0">
+                <a:solidFill>
+                  <a:srgbClr val="A31515"/>
+                </a:solidFill>
+                <a:highlight>
+                  <a:srgbClr val="FFFFFF"/>
+                </a:highlight>
+                <a:latin typeface="Cascadia Mono" panose="020B0609020000020004" pitchFamily="49" charset="0"/>
+              </a:rPr>
+              <a:t>"</a:t>
+            </a:r>
+            <a:r>
+              <a:rPr lang="fr-FR" sz="1400" dirty="0">
+                <a:solidFill>
+                  <a:srgbClr val="000000"/>
+                </a:solidFill>
+                <a:highlight>
+                  <a:srgbClr val="FFFFFF"/>
+                </a:highlight>
+                <a:latin typeface="Cascadia Mono" panose="020B0609020000020004" pitchFamily="49" charset="0"/>
+              </a:rPr>
+              <a:t>, </a:t>
+            </a:r>
+            <a:r>
+              <a:rPr lang="fr-FR" sz="1400" dirty="0" err="1">
+                <a:solidFill>
+                  <a:srgbClr val="2B91AF"/>
+                </a:solidFill>
+                <a:highlight>
+                  <a:srgbClr val="FFFFFF"/>
+                </a:highlight>
+                <a:latin typeface="Cascadia Mono" panose="020B0609020000020004" pitchFamily="49" charset="0"/>
+              </a:rPr>
+              <a:t>DateTime</a:t>
+            </a:r>
+            <a:r>
+              <a:rPr lang="fr-FR" sz="1400" dirty="0" err="1">
+                <a:solidFill>
+                  <a:srgbClr val="000000"/>
+                </a:solidFill>
+                <a:highlight>
+                  <a:srgbClr val="FFFFFF"/>
+                </a:highlight>
+                <a:latin typeface="Cascadia Mono" panose="020B0609020000020004" pitchFamily="49" charset="0"/>
+              </a:rPr>
+              <a:t>.Now</a:t>
+            </a:r>
+            <a:r>
+              <a:rPr lang="fr-FR" sz="1400" dirty="0">
+                <a:solidFill>
+                  <a:srgbClr val="000000"/>
+                </a:solidFill>
+                <a:highlight>
+                  <a:srgbClr val="FFFFFF"/>
+                </a:highlight>
+                <a:latin typeface="Cascadia Mono" panose="020B0609020000020004" pitchFamily="49" charset="0"/>
+              </a:rPr>
+              <a:t>);</a:t>
+            </a:r>
+          </a:p>
+          <a:p>
+            <a:pPr marL="0" indent="0">
+              <a:buNone/>
+            </a:pPr>
+            <a:r>
+              <a:rPr lang="fr-FR" sz="1400" dirty="0">
+                <a:solidFill>
+                  <a:srgbClr val="000000"/>
+                </a:solidFill>
+                <a:highlight>
+                  <a:srgbClr val="FFFFFF"/>
+                </a:highlight>
+                <a:latin typeface="Cascadia Mono" panose="020B0609020000020004" pitchFamily="49" charset="0"/>
+              </a:rPr>
+              <a:t>        </a:t>
+            </a:r>
+            <a:r>
+              <a:rPr lang="fr-FR" sz="1400" dirty="0" err="1">
+                <a:solidFill>
+                  <a:srgbClr val="0000FF"/>
+                </a:solidFill>
+                <a:highlight>
+                  <a:srgbClr val="FFFFFF"/>
+                </a:highlight>
+                <a:latin typeface="Cascadia Mono" panose="020B0609020000020004" pitchFamily="49" charset="0"/>
+              </a:rPr>
               <a:t>await</a:t>
             </a:r>
-            <a:endParaRPr lang="fr-FR" dirty="0"/>
-          </a:p>
-          <a:p>
-            <a:r>
-              <a:rPr lang="fr-FR" dirty="0"/>
-              <a:t>Elles retournent des </a:t>
-            </a:r>
-            <a:r>
-              <a:rPr lang="fr-FR" dirty="0" err="1"/>
+            <a:r>
+              <a:rPr lang="fr-FR" sz="1400" dirty="0">
+                <a:solidFill>
+                  <a:srgbClr val="000000"/>
+                </a:solidFill>
+                <a:highlight>
+                  <a:srgbClr val="FFFFFF"/>
+                </a:highlight>
+                <a:latin typeface="Cascadia Mono" panose="020B0609020000020004" pitchFamily="49" charset="0"/>
+              </a:rPr>
+              <a:t> </a:t>
+            </a:r>
+            <a:r>
+              <a:rPr lang="fr-FR" sz="1400" dirty="0" err="1">
+                <a:solidFill>
+                  <a:srgbClr val="2B91AF"/>
+                </a:solidFill>
+                <a:highlight>
+                  <a:srgbClr val="FFFFFF"/>
+                </a:highlight>
+                <a:latin typeface="Cascadia Mono" panose="020B0609020000020004" pitchFamily="49" charset="0"/>
+              </a:rPr>
               <a:t>Task</a:t>
             </a:r>
-            <a:endParaRPr lang="fr-FR" dirty="0"/>
-          </a:p>
-          <a:p>
-            <a:pPr lvl="1"/>
-            <a:r>
-              <a:rPr lang="fr-FR" dirty="0"/>
-              <a:t>Même celle qui ne retourne rien et qui serait codée par un </a:t>
-            </a:r>
-            <a:r>
-              <a:rPr lang="fr-FR" dirty="0" err="1"/>
-              <a:t>void</a:t>
-            </a:r>
-            <a:r>
-              <a:rPr lang="fr-FR" dirty="0"/>
-              <a:t> en mode synchrone</a:t>
-            </a:r>
-          </a:p>
-          <a:p>
-            <a:r>
-              <a:rPr lang="fr-FR" dirty="0"/>
-              <a:t>La </a:t>
-            </a:r>
-            <a:r>
-              <a:rPr lang="fr-FR" dirty="0" err="1"/>
+            <a:r>
+              <a:rPr lang="fr-FR" sz="1400" dirty="0" err="1">
+                <a:solidFill>
+                  <a:srgbClr val="000000"/>
+                </a:solidFill>
+                <a:highlight>
+                  <a:srgbClr val="FFFFFF"/>
+                </a:highlight>
+                <a:latin typeface="Cascadia Mono" panose="020B0609020000020004" pitchFamily="49" charset="0"/>
+              </a:rPr>
+              <a:t>.Delay</a:t>
+            </a:r>
+            <a:r>
+              <a:rPr lang="fr-FR" sz="1400" dirty="0">
+                <a:solidFill>
+                  <a:srgbClr val="000000"/>
+                </a:solidFill>
+                <a:highlight>
+                  <a:srgbClr val="FFFFFF"/>
+                </a:highlight>
+                <a:latin typeface="Cascadia Mono" panose="020B0609020000020004" pitchFamily="49" charset="0"/>
+              </a:rPr>
+              <a:t>(1000);</a:t>
+            </a:r>
+          </a:p>
+          <a:p>
+            <a:pPr marL="0" indent="0">
+              <a:buNone/>
+            </a:pPr>
+            <a:r>
+              <a:rPr lang="fr-FR" sz="1400" dirty="0">
+                <a:solidFill>
+                  <a:srgbClr val="000000"/>
+                </a:solidFill>
+                <a:highlight>
+                  <a:srgbClr val="FFFFFF"/>
+                </a:highlight>
+                <a:latin typeface="Cascadia Mono" panose="020B0609020000020004" pitchFamily="49" charset="0"/>
+              </a:rPr>
+              <a:t>        </a:t>
+            </a:r>
+            <a:r>
+              <a:rPr lang="fr-FR" sz="1400" dirty="0">
+                <a:solidFill>
+                  <a:srgbClr val="0000FF"/>
+                </a:solidFill>
+                <a:highlight>
+                  <a:srgbClr val="FFFFFF"/>
+                </a:highlight>
+                <a:latin typeface="Cascadia Mono" panose="020B0609020000020004" pitchFamily="49" charset="0"/>
+              </a:rPr>
+              <a:t>return</a:t>
+            </a:r>
+            <a:r>
+              <a:rPr lang="fr-FR" sz="1400" dirty="0">
+                <a:solidFill>
+                  <a:srgbClr val="000000"/>
+                </a:solidFill>
+                <a:highlight>
+                  <a:srgbClr val="FFFFFF"/>
+                </a:highlight>
+                <a:latin typeface="Cascadia Mono" panose="020B0609020000020004" pitchFamily="49" charset="0"/>
+              </a:rPr>
+              <a:t> (</a:t>
+            </a:r>
+            <a:r>
+              <a:rPr lang="fr-FR" sz="1400" dirty="0">
+                <a:solidFill>
+                  <a:srgbClr val="0000FF"/>
+                </a:solidFill>
+                <a:highlight>
+                  <a:srgbClr val="FFFFFF"/>
+                </a:highlight>
+                <a:latin typeface="Cascadia Mono" panose="020B0609020000020004" pitchFamily="49" charset="0"/>
+              </a:rPr>
+              <a:t>new</a:t>
+            </a:r>
+            <a:r>
+              <a:rPr lang="fr-FR" sz="1400" dirty="0">
+                <a:solidFill>
+                  <a:srgbClr val="000000"/>
+                </a:solidFill>
+                <a:highlight>
+                  <a:srgbClr val="FFFFFF"/>
+                </a:highlight>
+                <a:latin typeface="Cascadia Mono" panose="020B0609020000020004" pitchFamily="49" charset="0"/>
+              </a:rPr>
+              <a:t> </a:t>
+            </a:r>
+            <a:r>
+              <a:rPr lang="fr-FR" sz="1400" dirty="0" err="1">
+                <a:solidFill>
+                  <a:srgbClr val="2B91AF"/>
+                </a:solidFill>
+                <a:highlight>
+                  <a:srgbClr val="FFFFFF"/>
+                </a:highlight>
+                <a:latin typeface="Cascadia Mono" panose="020B0609020000020004" pitchFamily="49" charset="0"/>
+              </a:rPr>
+              <a:t>Random</a:t>
+            </a:r>
+            <a:r>
+              <a:rPr lang="fr-FR" sz="1400" dirty="0">
+                <a:solidFill>
+                  <a:srgbClr val="000000"/>
+                </a:solidFill>
+                <a:highlight>
+                  <a:srgbClr val="FFFFFF"/>
+                </a:highlight>
+                <a:latin typeface="Cascadia Mono" panose="020B0609020000020004" pitchFamily="49" charset="0"/>
+              </a:rPr>
+              <a:t>()).Next();</a:t>
+            </a:r>
+          </a:p>
+          <a:p>
+            <a:pPr marL="0" indent="0">
+              <a:buNone/>
+            </a:pPr>
+            <a:r>
+              <a:rPr lang="fr-FR" sz="1400" dirty="0">
+                <a:solidFill>
+                  <a:srgbClr val="000000"/>
+                </a:solidFill>
+                <a:highlight>
+                  <a:srgbClr val="FFFFFF"/>
+                </a:highlight>
+                <a:latin typeface="Cascadia Mono" panose="020B0609020000020004" pitchFamily="49" charset="0"/>
+              </a:rPr>
+              <a:t>    }</a:t>
+            </a:r>
+          </a:p>
+          <a:p>
+            <a:pPr marL="0" indent="0">
+              <a:buNone/>
+            </a:pPr>
+            <a:r>
+              <a:rPr lang="fr-FR" sz="1400" dirty="0">
+                <a:solidFill>
+                  <a:srgbClr val="000000"/>
+                </a:solidFill>
+                <a:highlight>
+                  <a:srgbClr val="FFFFFF"/>
+                </a:highlight>
+                <a:latin typeface="Cascadia Mono" panose="020B0609020000020004" pitchFamily="49" charset="0"/>
+              </a:rPr>
+              <a:t>    </a:t>
+            </a:r>
+            <a:r>
+              <a:rPr lang="fr-FR" sz="1400" dirty="0">
+                <a:solidFill>
+                  <a:srgbClr val="0000FF"/>
+                </a:solidFill>
+                <a:highlight>
+                  <a:srgbClr val="FFFFFF"/>
+                </a:highlight>
+                <a:latin typeface="Cascadia Mono" panose="020B0609020000020004" pitchFamily="49" charset="0"/>
+              </a:rPr>
+              <a:t>public</a:t>
+            </a:r>
+            <a:r>
+              <a:rPr lang="fr-FR" sz="1400" dirty="0">
+                <a:solidFill>
+                  <a:srgbClr val="000000"/>
+                </a:solidFill>
+                <a:highlight>
+                  <a:srgbClr val="FFFFFF"/>
+                </a:highlight>
+                <a:latin typeface="Cascadia Mono" panose="020B0609020000020004" pitchFamily="49" charset="0"/>
+              </a:rPr>
+              <a:t> </a:t>
+            </a:r>
+            <a:r>
+              <a:rPr lang="fr-FR" sz="1400" dirty="0" err="1">
+                <a:solidFill>
+                  <a:srgbClr val="0000FF"/>
+                </a:solidFill>
+                <a:highlight>
+                  <a:srgbClr val="FFFFFF"/>
+                </a:highlight>
+                <a:latin typeface="Cascadia Mono" panose="020B0609020000020004" pitchFamily="49" charset="0"/>
+              </a:rPr>
+              <a:t>async</a:t>
+            </a:r>
+            <a:r>
+              <a:rPr lang="fr-FR" sz="1400" dirty="0">
+                <a:solidFill>
+                  <a:srgbClr val="000000"/>
+                </a:solidFill>
+                <a:highlight>
+                  <a:srgbClr val="FFFFFF"/>
+                </a:highlight>
+                <a:latin typeface="Cascadia Mono" panose="020B0609020000020004" pitchFamily="49" charset="0"/>
+              </a:rPr>
+              <a:t> </a:t>
+            </a:r>
+            <a:r>
+              <a:rPr lang="fr-FR" sz="1400" dirty="0" err="1">
+                <a:solidFill>
+                  <a:srgbClr val="2B91AF"/>
+                </a:solidFill>
+                <a:highlight>
+                  <a:srgbClr val="FFFFFF"/>
+                </a:highlight>
+                <a:latin typeface="Cascadia Mono" panose="020B0609020000020004" pitchFamily="49" charset="0"/>
+              </a:rPr>
               <a:t>Task</a:t>
             </a:r>
             <a:r>
-              <a:rPr lang="fr-FR" dirty="0"/>
-              <a:t> sera retournée dès que </a:t>
-            </a:r>
-            <a:r>
-              <a:rPr lang="fr-FR" dirty="0" err="1"/>
+              <a:rPr lang="fr-FR" sz="1400" dirty="0">
+                <a:solidFill>
+                  <a:srgbClr val="000000"/>
+                </a:solidFill>
+                <a:highlight>
+                  <a:srgbClr val="FFFFFF"/>
+                </a:highlight>
+                <a:latin typeface="Cascadia Mono" panose="020B0609020000020004" pitchFamily="49" charset="0"/>
+              </a:rPr>
+              <a:t>&lt;</a:t>
+            </a:r>
+            <a:r>
+              <a:rPr lang="fr-FR" sz="1400" dirty="0">
+                <a:solidFill>
+                  <a:srgbClr val="0000FF"/>
+                </a:solidFill>
+                <a:highlight>
+                  <a:srgbClr val="FFFFFF"/>
+                </a:highlight>
+                <a:latin typeface="Cascadia Mono" panose="020B0609020000020004" pitchFamily="49" charset="0"/>
+              </a:rPr>
+              <a:t>string</a:t>
+            </a:r>
+            <a:r>
+              <a:rPr lang="fr-FR" sz="1400" dirty="0">
+                <a:solidFill>
+                  <a:srgbClr val="000000"/>
+                </a:solidFill>
+                <a:highlight>
+                  <a:srgbClr val="FFFFFF"/>
+                </a:highlight>
+                <a:latin typeface="Cascadia Mono" panose="020B0609020000020004" pitchFamily="49" charset="0"/>
+              </a:rPr>
+              <a:t>&gt; </a:t>
+            </a:r>
+            <a:r>
+              <a:rPr lang="fr-FR" sz="1400" dirty="0" err="1">
+                <a:solidFill>
+                  <a:srgbClr val="000000"/>
+                </a:solidFill>
+                <a:highlight>
+                  <a:srgbClr val="FFFFFF"/>
+                </a:highlight>
+                <a:latin typeface="Cascadia Mono" panose="020B0609020000020004" pitchFamily="49" charset="0"/>
+              </a:rPr>
+              <a:t>GetSpecialStringAsync</a:t>
+            </a:r>
+            <a:r>
+              <a:rPr lang="fr-FR" sz="1400" dirty="0">
+                <a:solidFill>
+                  <a:srgbClr val="000000"/>
+                </a:solidFill>
+                <a:highlight>
+                  <a:srgbClr val="FFFFFF"/>
+                </a:highlight>
+                <a:latin typeface="Cascadia Mono" panose="020B0609020000020004" pitchFamily="49" charset="0"/>
+              </a:rPr>
+              <a:t>(</a:t>
+            </a:r>
+            <a:r>
+              <a:rPr lang="fr-FR" sz="1400" dirty="0">
+                <a:solidFill>
+                  <a:srgbClr val="0000FF"/>
+                </a:solidFill>
+                <a:highlight>
+                  <a:srgbClr val="FFFFFF"/>
+                </a:highlight>
+                <a:latin typeface="Cascadia Mono" panose="020B0609020000020004" pitchFamily="49" charset="0"/>
+              </a:rPr>
+              <a:t>string</a:t>
+            </a:r>
+            <a:r>
+              <a:rPr lang="fr-FR" sz="1400" dirty="0">
+                <a:solidFill>
+                  <a:srgbClr val="000000"/>
+                </a:solidFill>
+                <a:highlight>
+                  <a:srgbClr val="FFFFFF"/>
+                </a:highlight>
+                <a:latin typeface="Cascadia Mono" panose="020B0609020000020004" pitchFamily="49" charset="0"/>
+              </a:rPr>
+              <a:t> message)</a:t>
+            </a:r>
+          </a:p>
+          <a:p>
+            <a:pPr marL="0" indent="0">
+              <a:buNone/>
+            </a:pPr>
+            <a:r>
+              <a:rPr lang="fr-FR" sz="1400" dirty="0">
+                <a:solidFill>
+                  <a:srgbClr val="000000"/>
+                </a:solidFill>
+                <a:highlight>
+                  <a:srgbClr val="FFFFFF"/>
+                </a:highlight>
+                <a:latin typeface="Cascadia Mono" panose="020B0609020000020004" pitchFamily="49" charset="0"/>
+              </a:rPr>
+              <a:t>    {</a:t>
+            </a:r>
+          </a:p>
+          <a:p>
+            <a:pPr marL="0" indent="0">
+              <a:buNone/>
+            </a:pPr>
+            <a:r>
+              <a:rPr lang="fr-FR" sz="1400" dirty="0">
+                <a:solidFill>
+                  <a:srgbClr val="000000"/>
+                </a:solidFill>
+                <a:highlight>
+                  <a:srgbClr val="FFFFFF"/>
+                </a:highlight>
+                <a:latin typeface="Cascadia Mono" panose="020B0609020000020004" pitchFamily="49" charset="0"/>
+              </a:rPr>
+              <a:t>        </a:t>
+            </a:r>
+            <a:r>
+              <a:rPr lang="fr-FR" sz="1400" dirty="0" err="1">
+                <a:solidFill>
+                  <a:srgbClr val="2B91AF"/>
+                </a:solidFill>
+                <a:highlight>
+                  <a:srgbClr val="FFFFFF"/>
+                </a:highlight>
+                <a:latin typeface="Cascadia Mono" panose="020B0609020000020004" pitchFamily="49" charset="0"/>
+              </a:rPr>
+              <a:t>Console</a:t>
+            </a:r>
+            <a:r>
+              <a:rPr lang="fr-FR" sz="1400" dirty="0" err="1">
+                <a:solidFill>
+                  <a:srgbClr val="000000"/>
+                </a:solidFill>
+                <a:highlight>
+                  <a:srgbClr val="FFFFFF"/>
+                </a:highlight>
+                <a:latin typeface="Cascadia Mono" panose="020B0609020000020004" pitchFamily="49" charset="0"/>
+              </a:rPr>
+              <a:t>.WriteLine</a:t>
+            </a:r>
+            <a:r>
+              <a:rPr lang="fr-FR" sz="1400" dirty="0">
+                <a:solidFill>
+                  <a:srgbClr val="000000"/>
+                </a:solidFill>
+                <a:highlight>
+                  <a:srgbClr val="FFFFFF"/>
+                </a:highlight>
+                <a:latin typeface="Cascadia Mono" panose="020B0609020000020004" pitchFamily="49" charset="0"/>
+              </a:rPr>
+              <a:t>(</a:t>
+            </a:r>
+            <a:r>
+              <a:rPr lang="fr-FR" sz="1400" dirty="0">
+                <a:solidFill>
+                  <a:srgbClr val="A31515"/>
+                </a:solidFill>
+                <a:highlight>
+                  <a:srgbClr val="FFFFFF"/>
+                </a:highlight>
+                <a:latin typeface="Cascadia Mono" panose="020B0609020000020004" pitchFamily="49" charset="0"/>
+              </a:rPr>
+              <a:t>"[{0}] </a:t>
+            </a:r>
+            <a:r>
+              <a:rPr lang="fr-FR" sz="1400" dirty="0" err="1">
+                <a:solidFill>
+                  <a:srgbClr val="A31515"/>
+                </a:solidFill>
+                <a:highlight>
+                  <a:srgbClr val="FFFFFF"/>
+                </a:highlight>
+                <a:latin typeface="Cascadia Mono" panose="020B0609020000020004" pitchFamily="49" charset="0"/>
+              </a:rPr>
+              <a:t>GetSpecialString</a:t>
+            </a:r>
+            <a:r>
+              <a:rPr lang="fr-FR" sz="1400" dirty="0">
+                <a:solidFill>
+                  <a:srgbClr val="A31515"/>
+                </a:solidFill>
+                <a:highlight>
+                  <a:srgbClr val="FFFFFF"/>
+                </a:highlight>
+                <a:latin typeface="Cascadia Mono" panose="020B0609020000020004" pitchFamily="49" charset="0"/>
+              </a:rPr>
+              <a:t>"</a:t>
+            </a:r>
+            <a:r>
+              <a:rPr lang="fr-FR" sz="1400" dirty="0">
+                <a:solidFill>
+                  <a:srgbClr val="000000"/>
+                </a:solidFill>
+                <a:highlight>
+                  <a:srgbClr val="FFFFFF"/>
+                </a:highlight>
+                <a:latin typeface="Cascadia Mono" panose="020B0609020000020004" pitchFamily="49" charset="0"/>
+              </a:rPr>
+              <a:t>, </a:t>
+            </a:r>
+            <a:r>
+              <a:rPr lang="fr-FR" sz="1400" dirty="0" err="1">
+                <a:solidFill>
+                  <a:srgbClr val="2B91AF"/>
+                </a:solidFill>
+                <a:highlight>
+                  <a:srgbClr val="FFFFFF"/>
+                </a:highlight>
+                <a:latin typeface="Cascadia Mono" panose="020B0609020000020004" pitchFamily="49" charset="0"/>
+              </a:rPr>
+              <a:t>DateTime</a:t>
+            </a:r>
+            <a:r>
+              <a:rPr lang="fr-FR" sz="1400" dirty="0" err="1">
+                <a:solidFill>
+                  <a:srgbClr val="000000"/>
+                </a:solidFill>
+                <a:highlight>
+                  <a:srgbClr val="FFFFFF"/>
+                </a:highlight>
+                <a:latin typeface="Cascadia Mono" panose="020B0609020000020004" pitchFamily="49" charset="0"/>
+              </a:rPr>
+              <a:t>.Now</a:t>
+            </a:r>
+            <a:r>
+              <a:rPr lang="fr-FR" sz="1400" dirty="0">
+                <a:solidFill>
+                  <a:srgbClr val="000000"/>
+                </a:solidFill>
+                <a:highlight>
+                  <a:srgbClr val="FFFFFF"/>
+                </a:highlight>
+                <a:latin typeface="Cascadia Mono" panose="020B0609020000020004" pitchFamily="49" charset="0"/>
+              </a:rPr>
+              <a:t>);</a:t>
+            </a:r>
+          </a:p>
+          <a:p>
+            <a:pPr marL="0" indent="0">
+              <a:buNone/>
+            </a:pPr>
+            <a:r>
+              <a:rPr lang="fr-FR" sz="1400" dirty="0">
+                <a:solidFill>
+                  <a:srgbClr val="000000"/>
+                </a:solidFill>
+                <a:highlight>
+                  <a:srgbClr val="FFFFFF"/>
+                </a:highlight>
+                <a:latin typeface="Cascadia Mono" panose="020B0609020000020004" pitchFamily="49" charset="0"/>
+              </a:rPr>
+              <a:t>        </a:t>
+            </a:r>
+            <a:r>
+              <a:rPr lang="fr-FR" sz="1400" dirty="0" err="1">
+                <a:solidFill>
+                  <a:srgbClr val="0000FF"/>
+                </a:solidFill>
+                <a:highlight>
+                  <a:srgbClr val="FFFFFF"/>
+                </a:highlight>
+                <a:latin typeface="Cascadia Mono" panose="020B0609020000020004" pitchFamily="49" charset="0"/>
+              </a:rPr>
               <a:t>await</a:t>
             </a:r>
             <a:r>
-              <a:rPr lang="fr-FR" dirty="0"/>
-              <a:t> sera rencontré</a:t>
-            </a:r>
-          </a:p>
-          <a:p>
-            <a:pPr lvl="1"/>
-            <a:r>
-              <a:rPr lang="fr-FR" dirty="0" err="1"/>
-              <a:t>Await</a:t>
-            </a:r>
-            <a:r>
-              <a:rPr lang="fr-FR" dirty="0"/>
-              <a:t> n’est finalement traduit que par un callback qui reviendra continuer le travail</a:t>
-            </a:r>
-          </a:p>
-          <a:p>
-            <a:pPr lvl="1"/>
-            <a:r>
-              <a:rPr lang="fr-FR" dirty="0"/>
-              <a:t>C’est l’écriture fastidieuse de ce callback que </a:t>
-            </a:r>
-            <a:r>
-              <a:rPr lang="fr-FR" dirty="0" err="1"/>
-              <a:t>await</a:t>
-            </a:r>
-            <a:r>
-              <a:rPr lang="fr-FR" dirty="0"/>
-              <a:t> nous évite</a:t>
-            </a:r>
+              <a:rPr lang="fr-FR" sz="1400" dirty="0">
+                <a:solidFill>
+                  <a:srgbClr val="000000"/>
+                </a:solidFill>
+                <a:highlight>
+                  <a:srgbClr val="FFFFFF"/>
+                </a:highlight>
+                <a:latin typeface="Cascadia Mono" panose="020B0609020000020004" pitchFamily="49" charset="0"/>
+              </a:rPr>
+              <a:t> </a:t>
+            </a:r>
+            <a:r>
+              <a:rPr lang="fr-FR" sz="1400" dirty="0" err="1">
+                <a:solidFill>
+                  <a:srgbClr val="2B91AF"/>
+                </a:solidFill>
+                <a:highlight>
+                  <a:srgbClr val="FFFFFF"/>
+                </a:highlight>
+                <a:latin typeface="Cascadia Mono" panose="020B0609020000020004" pitchFamily="49" charset="0"/>
+              </a:rPr>
+              <a:t>Task</a:t>
+            </a:r>
+            <a:r>
+              <a:rPr lang="fr-FR" sz="1400" dirty="0" err="1">
+                <a:solidFill>
+                  <a:srgbClr val="000000"/>
+                </a:solidFill>
+                <a:highlight>
+                  <a:srgbClr val="FFFFFF"/>
+                </a:highlight>
+                <a:latin typeface="Cascadia Mono" panose="020B0609020000020004" pitchFamily="49" charset="0"/>
+              </a:rPr>
+              <a:t>.Delay</a:t>
+            </a:r>
+            <a:r>
+              <a:rPr lang="fr-FR" sz="1400" dirty="0">
+                <a:solidFill>
+                  <a:srgbClr val="000000"/>
+                </a:solidFill>
+                <a:highlight>
+                  <a:srgbClr val="FFFFFF"/>
+                </a:highlight>
+                <a:latin typeface="Cascadia Mono" panose="020B0609020000020004" pitchFamily="49" charset="0"/>
+              </a:rPr>
+              <a:t>(1500);</a:t>
+            </a:r>
+          </a:p>
+          <a:p>
+            <a:pPr marL="0" indent="0">
+              <a:buNone/>
+            </a:pPr>
+            <a:r>
+              <a:rPr lang="fr-FR" sz="1400" dirty="0">
+                <a:solidFill>
+                  <a:srgbClr val="000000"/>
+                </a:solidFill>
+                <a:highlight>
+                  <a:srgbClr val="FFFFFF"/>
+                </a:highlight>
+                <a:latin typeface="Cascadia Mono" panose="020B0609020000020004" pitchFamily="49" charset="0"/>
+              </a:rPr>
+              <a:t>        </a:t>
+            </a:r>
+            <a:r>
+              <a:rPr lang="fr-FR" sz="1400" dirty="0">
+                <a:solidFill>
+                  <a:srgbClr val="0000FF"/>
+                </a:solidFill>
+                <a:highlight>
+                  <a:srgbClr val="FFFFFF"/>
+                </a:highlight>
+                <a:latin typeface="Cascadia Mono" panose="020B0609020000020004" pitchFamily="49" charset="0"/>
+              </a:rPr>
+              <a:t>return</a:t>
+            </a:r>
+            <a:r>
+              <a:rPr lang="fr-FR" sz="1400" dirty="0">
+                <a:solidFill>
+                  <a:srgbClr val="000000"/>
+                </a:solidFill>
+                <a:highlight>
+                  <a:srgbClr val="FFFFFF"/>
+                </a:highlight>
+                <a:latin typeface="Cascadia Mono" panose="020B0609020000020004" pitchFamily="49" charset="0"/>
+              </a:rPr>
+              <a:t> </a:t>
+            </a:r>
+            <a:r>
+              <a:rPr lang="fr-FR" sz="1400" dirty="0" err="1">
+                <a:solidFill>
+                  <a:srgbClr val="0000FF"/>
+                </a:solidFill>
+                <a:highlight>
+                  <a:srgbClr val="FFFFFF"/>
+                </a:highlight>
+                <a:latin typeface="Cascadia Mono" panose="020B0609020000020004" pitchFamily="49" charset="0"/>
+              </a:rPr>
+              <a:t>string</a:t>
+            </a:r>
+            <a:r>
+              <a:rPr lang="fr-FR" sz="1400" dirty="0" err="1">
+                <a:solidFill>
+                  <a:srgbClr val="000000"/>
+                </a:solidFill>
+                <a:highlight>
+                  <a:srgbClr val="FFFFFF"/>
+                </a:highlight>
+                <a:latin typeface="Cascadia Mono" panose="020B0609020000020004" pitchFamily="49" charset="0"/>
+              </a:rPr>
+              <a:t>.IsNullOrEmpty</a:t>
+            </a:r>
+            <a:r>
+              <a:rPr lang="fr-FR" sz="1400" dirty="0">
+                <a:solidFill>
+                  <a:srgbClr val="000000"/>
+                </a:solidFill>
+                <a:highlight>
+                  <a:srgbClr val="FFFFFF"/>
+                </a:highlight>
+                <a:latin typeface="Cascadia Mono" panose="020B0609020000020004" pitchFamily="49" charset="0"/>
+              </a:rPr>
+              <a:t>(message) ? </a:t>
+            </a:r>
+            <a:r>
+              <a:rPr lang="fr-FR" sz="1400" dirty="0">
+                <a:solidFill>
+                  <a:srgbClr val="A31515"/>
+                </a:solidFill>
+                <a:highlight>
+                  <a:srgbClr val="FFFFFF"/>
+                </a:highlight>
+                <a:latin typeface="Cascadia Mono" panose="020B0609020000020004" pitchFamily="49" charset="0"/>
+              </a:rPr>
+              <a:t>"&lt;RIEN&gt;"</a:t>
+            </a:r>
+            <a:r>
+              <a:rPr lang="fr-FR" sz="1400" dirty="0">
+                <a:solidFill>
+                  <a:srgbClr val="000000"/>
+                </a:solidFill>
+                <a:highlight>
+                  <a:srgbClr val="FFFFFF"/>
+                </a:highlight>
+                <a:latin typeface="Cascadia Mono" panose="020B0609020000020004" pitchFamily="49" charset="0"/>
+              </a:rPr>
+              <a:t> : </a:t>
+            </a:r>
+            <a:r>
+              <a:rPr lang="fr-FR" sz="1400" dirty="0" err="1">
+                <a:solidFill>
+                  <a:srgbClr val="000000"/>
+                </a:solidFill>
+                <a:highlight>
+                  <a:srgbClr val="FFFFFF"/>
+                </a:highlight>
+                <a:latin typeface="Cascadia Mono" panose="020B0609020000020004" pitchFamily="49" charset="0"/>
+              </a:rPr>
+              <a:t>message.ToUpper</a:t>
+            </a:r>
+            <a:r>
+              <a:rPr lang="fr-FR" sz="1400" dirty="0">
+                <a:solidFill>
+                  <a:srgbClr val="000000"/>
+                </a:solidFill>
+                <a:highlight>
+                  <a:srgbClr val="FFFFFF"/>
+                </a:highlight>
+                <a:latin typeface="Cascadia Mono" panose="020B0609020000020004" pitchFamily="49" charset="0"/>
+              </a:rPr>
+              <a:t>();</a:t>
+            </a:r>
+          </a:p>
+          <a:p>
+            <a:pPr marL="0" indent="0">
+              <a:buNone/>
+            </a:pPr>
+            <a:r>
+              <a:rPr lang="fr-FR" sz="1400" dirty="0">
+                <a:solidFill>
+                  <a:srgbClr val="000000"/>
+                </a:solidFill>
+                <a:highlight>
+                  <a:srgbClr val="FFFFFF"/>
+                </a:highlight>
+                <a:latin typeface="Cascadia Mono" panose="020B0609020000020004" pitchFamily="49" charset="0"/>
+              </a:rPr>
+              <a:t>    }</a:t>
+            </a:r>
+          </a:p>
+          <a:p>
+            <a:pPr marL="0" indent="0">
+              <a:buNone/>
+            </a:pPr>
+            <a:r>
+              <a:rPr lang="fr-FR" sz="1400" dirty="0">
+                <a:solidFill>
+                  <a:srgbClr val="000000"/>
+                </a:solidFill>
+                <a:highlight>
+                  <a:srgbClr val="FFFFFF"/>
+                </a:highlight>
+                <a:latin typeface="Cascadia Mono" panose="020B0609020000020004" pitchFamily="49" charset="0"/>
+              </a:rPr>
+              <a:t>}</a:t>
+            </a:r>
+            <a:endParaRPr lang="fr-FR" sz="2000" dirty="0"/>
           </a:p>
         </p:txBody>
       </p:sp>
     </p:spTree>
     <p:extLst>
       <p:ext uri="{BB962C8B-B14F-4D97-AF65-F5344CB8AC3E}">
-        <p14:creationId xmlns:p14="http://schemas.microsoft.com/office/powerpoint/2010/main" val="2016797866"/>
+        <p14:creationId xmlns:p14="http://schemas.microsoft.com/office/powerpoint/2010/main" val="534830049"/>
       </p:ext>
     </p:extLst>
   </p:cSld>
@@ -5599,7 +6961,7 @@
           <p:cNvPr id="2" name="Titre 1">
             <a:extLst>
               <a:ext uri="{FF2B5EF4-FFF2-40B4-BE49-F238E27FC236}">
-                <a16:creationId xmlns:a16="http://schemas.microsoft.com/office/drawing/2014/main" id="{8E093BF7-5381-597B-A2CA-27DC71BFC4F8}"/>
+                <a16:creationId xmlns:a16="http://schemas.microsoft.com/office/drawing/2014/main" id="{DC67D3A4-D613-3DCF-6202-6AFB2ED2228C}"/>
               </a:ext>
             </a:extLst>
           </p:cNvPr>
@@ -5616,14 +6978,13 @@
           <a:lstStyle/>
           <a:p>
             <a:r>
-              <a:rPr lang="fr-FR" dirty="0"/>
-              <a:t>Exemple </a:t>
-            </a:r>
-            <a:r>
               <a:rPr lang="fr-FR" dirty="0" err="1"/>
-              <a:t>Async</a:t>
-            </a:r>
-            <a:endParaRPr lang="fr-FR" dirty="0"/>
+              <a:t>Await</a:t>
+            </a:r>
+            <a:r>
+              <a:rPr lang="fr-FR" dirty="0"/>
+              <a:t> et Callback</a:t>
+            </a:r>
           </a:p>
         </p:txBody>
       </p:sp>
@@ -5632,7 +6993,7 @@
           <p:cNvPr id="3" name="Espace réservé du contenu 2">
             <a:extLst>
               <a:ext uri="{FF2B5EF4-FFF2-40B4-BE49-F238E27FC236}">
-                <a16:creationId xmlns:a16="http://schemas.microsoft.com/office/drawing/2014/main" id="{4807574C-ECE6-6451-6296-BF650283DE0B}"/>
+                <a16:creationId xmlns:a16="http://schemas.microsoft.com/office/drawing/2014/main" id="{C5B816DE-78FD-DC63-34F6-CD9338BEA0CE}"/>
               </a:ext>
             </a:extLst>
           </p:cNvPr>
@@ -5648,1465 +7009,104 @@
           <a:bodyPr/>
           <a:lstStyle/>
           <a:p>
-            <a:pPr marL="0" indent="0">
-              <a:buNone/>
-            </a:pPr>
-            <a:r>
-              <a:rPr lang="fr-FR" sz="1400" dirty="0">
-                <a:solidFill>
-                  <a:srgbClr val="0000FF"/>
-                </a:solidFill>
-                <a:highlight>
-                  <a:srgbClr val="FFFFFF"/>
-                </a:highlight>
-                <a:latin typeface="Cascadia Mono" panose="020B0609020000020004" pitchFamily="49" charset="0"/>
-              </a:rPr>
-              <a:t>public</a:t>
-            </a:r>
-            <a:r>
-              <a:rPr lang="fr-FR" sz="1400" dirty="0">
-                <a:solidFill>
-                  <a:srgbClr val="000000"/>
-                </a:solidFill>
-                <a:highlight>
-                  <a:srgbClr val="FFFFFF"/>
-                </a:highlight>
-                <a:latin typeface="Cascadia Mono" panose="020B0609020000020004" pitchFamily="49" charset="0"/>
-              </a:rPr>
-              <a:t> </a:t>
-            </a:r>
-            <a:r>
-              <a:rPr lang="fr-FR" sz="1400" dirty="0">
-                <a:solidFill>
-                  <a:srgbClr val="0000FF"/>
-                </a:solidFill>
-                <a:highlight>
-                  <a:srgbClr val="FFFFFF"/>
-                </a:highlight>
-                <a:latin typeface="Cascadia Mono" panose="020B0609020000020004" pitchFamily="49" charset="0"/>
-              </a:rPr>
-              <a:t>class</a:t>
-            </a:r>
-            <a:r>
-              <a:rPr lang="fr-FR" sz="1400" dirty="0">
-                <a:solidFill>
-                  <a:srgbClr val="000000"/>
-                </a:solidFill>
-                <a:highlight>
-                  <a:srgbClr val="FFFFFF"/>
-                </a:highlight>
-                <a:latin typeface="Cascadia Mono" panose="020B0609020000020004" pitchFamily="49" charset="0"/>
-              </a:rPr>
-              <a:t> </a:t>
-            </a:r>
-            <a:r>
-              <a:rPr lang="fr-FR" sz="1400" dirty="0" err="1">
-                <a:solidFill>
-                  <a:srgbClr val="2B91AF"/>
-                </a:solidFill>
-                <a:highlight>
-                  <a:srgbClr val="FFFFFF"/>
-                </a:highlight>
-                <a:latin typeface="Cascadia Mono" panose="020B0609020000020004" pitchFamily="49" charset="0"/>
-              </a:rPr>
-              <a:t>DummyDelayResource</a:t>
-            </a:r>
-            <a:endParaRPr lang="fr-FR" sz="1400" dirty="0">
-              <a:solidFill>
-                <a:srgbClr val="2B91AF"/>
-              </a:solidFill>
-              <a:highlight>
-                <a:srgbClr val="FFFFFF"/>
-              </a:highlight>
-              <a:latin typeface="Cascadia Mono" panose="020B0609020000020004" pitchFamily="49" charset="0"/>
-            </a:endParaRPr>
-          </a:p>
-          <a:p>
-            <a:pPr marL="0" indent="0">
-              <a:buNone/>
-            </a:pPr>
-            <a:r>
-              <a:rPr lang="fr-FR" sz="1400" dirty="0">
-                <a:solidFill>
-                  <a:srgbClr val="000000"/>
-                </a:solidFill>
-                <a:highlight>
-                  <a:srgbClr val="FFFFFF"/>
-                </a:highlight>
-                <a:latin typeface="Cascadia Mono" panose="020B0609020000020004" pitchFamily="49" charset="0"/>
-              </a:rPr>
-              <a:t>{</a:t>
-            </a:r>
-          </a:p>
-          <a:p>
-            <a:pPr marL="0" indent="0">
-              <a:buNone/>
-            </a:pPr>
-            <a:r>
-              <a:rPr lang="fr-FR" sz="1400" dirty="0">
-                <a:solidFill>
-                  <a:srgbClr val="000000"/>
-                </a:solidFill>
-                <a:highlight>
-                  <a:srgbClr val="FFFFFF"/>
-                </a:highlight>
-                <a:latin typeface="Cascadia Mono" panose="020B0609020000020004" pitchFamily="49" charset="0"/>
-              </a:rPr>
-              <a:t>    </a:t>
-            </a:r>
-            <a:r>
-              <a:rPr lang="fr-FR" sz="1400" dirty="0">
-                <a:solidFill>
-                  <a:srgbClr val="0000FF"/>
-                </a:solidFill>
-                <a:highlight>
-                  <a:srgbClr val="FFFFFF"/>
-                </a:highlight>
-                <a:latin typeface="Cascadia Mono" panose="020B0609020000020004" pitchFamily="49" charset="0"/>
-              </a:rPr>
-              <a:t>public</a:t>
-            </a:r>
-            <a:r>
-              <a:rPr lang="fr-FR" sz="1400" dirty="0">
-                <a:solidFill>
-                  <a:srgbClr val="000000"/>
-                </a:solidFill>
-                <a:highlight>
-                  <a:srgbClr val="FFFFFF"/>
-                </a:highlight>
-                <a:latin typeface="Cascadia Mono" panose="020B0609020000020004" pitchFamily="49" charset="0"/>
-              </a:rPr>
-              <a:t> </a:t>
-            </a:r>
-            <a:r>
-              <a:rPr lang="fr-FR" sz="1400" dirty="0" err="1">
-                <a:solidFill>
-                  <a:srgbClr val="2B91AF"/>
-                </a:solidFill>
-                <a:highlight>
-                  <a:srgbClr val="FFFFFF"/>
-                </a:highlight>
-                <a:latin typeface="Cascadia Mono" panose="020B0609020000020004" pitchFamily="49" charset="0"/>
-              </a:rPr>
+            <a:r>
+              <a:rPr lang="fr-FR" dirty="0"/>
+              <a:t>Ces méthodes sont </a:t>
+            </a:r>
+            <a:r>
+              <a:rPr lang="fr-FR" dirty="0" err="1"/>
+              <a:t>async</a:t>
+            </a:r>
+            <a:r>
+              <a:rPr lang="fr-FR" dirty="0"/>
+              <a:t> car elles utilisent </a:t>
+            </a:r>
+            <a:r>
+              <a:rPr lang="fr-FR" dirty="0" err="1"/>
+              <a:t>await</a:t>
+            </a:r>
+            <a:endParaRPr lang="fr-FR" dirty="0"/>
+          </a:p>
+          <a:p>
+            <a:r>
+              <a:rPr lang="fr-FR" dirty="0"/>
+              <a:t>Elles retournent des </a:t>
+            </a:r>
+            <a:r>
+              <a:rPr lang="fr-FR" dirty="0" err="1"/>
               <a:t>Task</a:t>
             </a:r>
-            <a:r>
-              <a:rPr lang="fr-FR" sz="1400" dirty="0">
-                <a:solidFill>
-                  <a:srgbClr val="000000"/>
-                </a:solidFill>
-                <a:highlight>
-                  <a:srgbClr val="FFFFFF"/>
-                </a:highlight>
-                <a:latin typeface="Cascadia Mono" panose="020B0609020000020004" pitchFamily="49" charset="0"/>
-              </a:rPr>
-              <a:t> </a:t>
-            </a:r>
-            <a:r>
-              <a:rPr lang="fr-FR" sz="1400" dirty="0" err="1">
-                <a:solidFill>
-                  <a:srgbClr val="000000"/>
-                </a:solidFill>
-                <a:highlight>
-                  <a:srgbClr val="FFFFFF"/>
-                </a:highlight>
-                <a:latin typeface="Cascadia Mono" panose="020B0609020000020004" pitchFamily="49" charset="0"/>
-              </a:rPr>
-              <a:t>SendEmailAsync</a:t>
-            </a:r>
-            <a:r>
-              <a:rPr lang="fr-FR" sz="1400" dirty="0">
-                <a:solidFill>
-                  <a:srgbClr val="000000"/>
-                </a:solidFill>
-                <a:highlight>
-                  <a:srgbClr val="FFFFFF"/>
-                </a:highlight>
-                <a:latin typeface="Cascadia Mono" panose="020B0609020000020004" pitchFamily="49" charset="0"/>
-              </a:rPr>
-              <a:t>()</a:t>
-            </a:r>
-          </a:p>
-          <a:p>
-            <a:pPr marL="0" indent="0">
-              <a:buNone/>
-            </a:pPr>
-            <a:r>
-              <a:rPr lang="fr-FR" sz="1400" dirty="0">
-                <a:solidFill>
-                  <a:srgbClr val="000000"/>
-                </a:solidFill>
-                <a:highlight>
-                  <a:srgbClr val="FFFFFF"/>
-                </a:highlight>
-                <a:latin typeface="Cascadia Mono" panose="020B0609020000020004" pitchFamily="49" charset="0"/>
-              </a:rPr>
-              <a:t>    {</a:t>
-            </a:r>
-          </a:p>
-          <a:p>
-            <a:pPr marL="0" indent="0">
-              <a:buNone/>
-            </a:pPr>
-            <a:r>
-              <a:rPr lang="fr-FR" sz="1400" dirty="0">
-                <a:solidFill>
-                  <a:srgbClr val="000000"/>
-                </a:solidFill>
-                <a:highlight>
-                  <a:srgbClr val="FFFFFF"/>
-                </a:highlight>
-                <a:latin typeface="Cascadia Mono" panose="020B0609020000020004" pitchFamily="49" charset="0"/>
-              </a:rPr>
-              <a:t>        </a:t>
-            </a:r>
-            <a:r>
-              <a:rPr lang="fr-FR" sz="1400" dirty="0" err="1">
-                <a:solidFill>
-                  <a:srgbClr val="2B91AF"/>
-                </a:solidFill>
-                <a:highlight>
-                  <a:srgbClr val="FFFFFF"/>
-                </a:highlight>
-                <a:latin typeface="Cascadia Mono" panose="020B0609020000020004" pitchFamily="49" charset="0"/>
-              </a:rPr>
-              <a:t>Console</a:t>
-            </a:r>
-            <a:r>
-              <a:rPr lang="fr-FR" sz="1400" dirty="0" err="1">
-                <a:solidFill>
-                  <a:srgbClr val="000000"/>
-                </a:solidFill>
-                <a:highlight>
-                  <a:srgbClr val="FFFFFF"/>
-                </a:highlight>
-                <a:latin typeface="Cascadia Mono" panose="020B0609020000020004" pitchFamily="49" charset="0"/>
-              </a:rPr>
-              <a:t>.WriteLine</a:t>
-            </a:r>
-            <a:r>
-              <a:rPr lang="fr-FR" sz="1400" dirty="0">
-                <a:solidFill>
-                  <a:srgbClr val="000000"/>
-                </a:solidFill>
-                <a:highlight>
-                  <a:srgbClr val="FFFFFF"/>
-                </a:highlight>
-                <a:latin typeface="Cascadia Mono" panose="020B0609020000020004" pitchFamily="49" charset="0"/>
-              </a:rPr>
-              <a:t>(</a:t>
-            </a:r>
-            <a:r>
-              <a:rPr lang="fr-FR" sz="1400" dirty="0">
-                <a:solidFill>
-                  <a:srgbClr val="A31515"/>
-                </a:solidFill>
-                <a:highlight>
-                  <a:srgbClr val="FFFFFF"/>
-                </a:highlight>
-                <a:latin typeface="Cascadia Mono" panose="020B0609020000020004" pitchFamily="49" charset="0"/>
-              </a:rPr>
-              <a:t>"[{0}] </a:t>
-            </a:r>
-            <a:r>
-              <a:rPr lang="fr-FR" sz="1400" dirty="0" err="1">
-                <a:solidFill>
-                  <a:srgbClr val="A31515"/>
-                </a:solidFill>
-                <a:highlight>
-                  <a:srgbClr val="FFFFFF"/>
-                </a:highlight>
-                <a:latin typeface="Cascadia Mono" panose="020B0609020000020004" pitchFamily="49" charset="0"/>
-              </a:rPr>
-              <a:t>SendMail</a:t>
-            </a:r>
-            <a:r>
-              <a:rPr lang="fr-FR" sz="1400" dirty="0">
-                <a:solidFill>
-                  <a:srgbClr val="A31515"/>
-                </a:solidFill>
-                <a:highlight>
-                  <a:srgbClr val="FFFFFF"/>
-                </a:highlight>
-                <a:latin typeface="Cascadia Mono" panose="020B0609020000020004" pitchFamily="49" charset="0"/>
-              </a:rPr>
-              <a:t> (fake)"</a:t>
-            </a:r>
-            <a:r>
-              <a:rPr lang="fr-FR" sz="1400" dirty="0">
-                <a:solidFill>
-                  <a:srgbClr val="000000"/>
-                </a:solidFill>
-                <a:highlight>
-                  <a:srgbClr val="FFFFFF"/>
-                </a:highlight>
-                <a:latin typeface="Cascadia Mono" panose="020B0609020000020004" pitchFamily="49" charset="0"/>
-              </a:rPr>
-              <a:t>, </a:t>
-            </a:r>
-            <a:r>
-              <a:rPr lang="fr-FR" sz="1400" dirty="0" err="1">
-                <a:solidFill>
-                  <a:srgbClr val="2B91AF"/>
-                </a:solidFill>
-                <a:highlight>
-                  <a:srgbClr val="FFFFFF"/>
-                </a:highlight>
-                <a:latin typeface="Cascadia Mono" panose="020B0609020000020004" pitchFamily="49" charset="0"/>
-              </a:rPr>
-              <a:t>DateTime</a:t>
-            </a:r>
-            <a:r>
-              <a:rPr lang="fr-FR" sz="1400" dirty="0" err="1">
-                <a:solidFill>
-                  <a:srgbClr val="000000"/>
-                </a:solidFill>
-                <a:highlight>
-                  <a:srgbClr val="FFFFFF"/>
-                </a:highlight>
-                <a:latin typeface="Cascadia Mono" panose="020B0609020000020004" pitchFamily="49" charset="0"/>
-              </a:rPr>
-              <a:t>.Now</a:t>
-            </a:r>
-            <a:r>
-              <a:rPr lang="fr-FR" sz="1400" dirty="0">
-                <a:solidFill>
-                  <a:srgbClr val="000000"/>
-                </a:solidFill>
-                <a:highlight>
-                  <a:srgbClr val="FFFFFF"/>
-                </a:highlight>
-                <a:latin typeface="Cascadia Mono" panose="020B0609020000020004" pitchFamily="49" charset="0"/>
-              </a:rPr>
-              <a:t>);</a:t>
-            </a:r>
-          </a:p>
-          <a:p>
-            <a:pPr marL="0" indent="0">
-              <a:buNone/>
-            </a:pPr>
-            <a:r>
-              <a:rPr lang="fr-FR" sz="1400" dirty="0">
-                <a:solidFill>
-                  <a:srgbClr val="000000"/>
-                </a:solidFill>
-                <a:highlight>
-                  <a:srgbClr val="FFFFFF"/>
-                </a:highlight>
-                <a:latin typeface="Cascadia Mono" panose="020B0609020000020004" pitchFamily="49" charset="0"/>
-              </a:rPr>
-              <a:t>        </a:t>
-            </a:r>
-            <a:r>
-              <a:rPr lang="fr-FR" sz="1400" dirty="0">
-                <a:solidFill>
-                  <a:srgbClr val="0000FF"/>
-                </a:solidFill>
-                <a:highlight>
-                  <a:srgbClr val="FFFFFF"/>
-                </a:highlight>
-                <a:latin typeface="Cascadia Mono" panose="020B0609020000020004" pitchFamily="49" charset="0"/>
-              </a:rPr>
-              <a:t>return</a:t>
-            </a:r>
-            <a:r>
-              <a:rPr lang="fr-FR" sz="1400" dirty="0">
-                <a:solidFill>
-                  <a:srgbClr val="000000"/>
-                </a:solidFill>
-                <a:highlight>
-                  <a:srgbClr val="FFFFFF"/>
-                </a:highlight>
-                <a:latin typeface="Cascadia Mono" panose="020B0609020000020004" pitchFamily="49" charset="0"/>
-              </a:rPr>
-              <a:t> </a:t>
-            </a:r>
-            <a:r>
-              <a:rPr lang="fr-FR" sz="1400" dirty="0" err="1">
-                <a:solidFill>
-                  <a:srgbClr val="2B91AF"/>
-                </a:solidFill>
-                <a:highlight>
-                  <a:srgbClr val="FFFFFF"/>
-                </a:highlight>
-                <a:latin typeface="Cascadia Mono" panose="020B0609020000020004" pitchFamily="49" charset="0"/>
-              </a:rPr>
+            <a:endParaRPr lang="fr-FR" dirty="0"/>
+          </a:p>
+          <a:p>
+            <a:pPr lvl="1"/>
+            <a:r>
+              <a:rPr lang="fr-FR" dirty="0"/>
+              <a:t>Même celle qui ne retourne rien et qui serait codée par un </a:t>
+            </a:r>
+            <a:r>
+              <a:rPr lang="fr-FR" dirty="0" err="1"/>
+              <a:t>void</a:t>
+            </a:r>
+            <a:r>
+              <a:rPr lang="fr-FR" dirty="0"/>
+              <a:t> en mode synchrone</a:t>
+            </a:r>
+          </a:p>
+          <a:p>
+            <a:r>
+              <a:rPr lang="fr-FR" dirty="0"/>
+              <a:t>La </a:t>
+            </a:r>
+            <a:r>
+              <a:rPr lang="fr-FR" dirty="0" err="1"/>
               <a:t>Task</a:t>
             </a:r>
             <a:r>
-              <a:rPr lang="fr-FR" sz="1400" dirty="0" err="1">
-                <a:solidFill>
-                  <a:srgbClr val="000000"/>
-                </a:solidFill>
-                <a:highlight>
-                  <a:srgbClr val="FFFFFF"/>
-                </a:highlight>
-                <a:latin typeface="Cascadia Mono" panose="020B0609020000020004" pitchFamily="49" charset="0"/>
-              </a:rPr>
-              <a:t>.Delay</a:t>
-            </a:r>
-            <a:r>
-              <a:rPr lang="fr-FR" sz="1400" dirty="0">
-                <a:solidFill>
-                  <a:srgbClr val="000000"/>
-                </a:solidFill>
-                <a:highlight>
-                  <a:srgbClr val="FFFFFF"/>
-                </a:highlight>
-                <a:latin typeface="Cascadia Mono" panose="020B0609020000020004" pitchFamily="49" charset="0"/>
-              </a:rPr>
-              <a:t>(2000);</a:t>
-            </a:r>
-          </a:p>
-          <a:p>
-            <a:pPr marL="0" indent="0">
-              <a:buNone/>
-            </a:pPr>
-            <a:r>
-              <a:rPr lang="fr-FR" sz="1400" dirty="0">
-                <a:solidFill>
-                  <a:srgbClr val="000000"/>
-                </a:solidFill>
-                <a:highlight>
-                  <a:srgbClr val="FFFFFF"/>
-                </a:highlight>
-                <a:latin typeface="Cascadia Mono" panose="020B0609020000020004" pitchFamily="49" charset="0"/>
-              </a:rPr>
-              <a:t>    }</a:t>
-            </a:r>
-          </a:p>
-          <a:p>
-            <a:pPr marL="0" indent="0">
-              <a:buNone/>
-            </a:pPr>
-            <a:r>
-              <a:rPr lang="en-US" sz="1400" dirty="0">
-                <a:solidFill>
-                  <a:srgbClr val="000000"/>
-                </a:solidFill>
-                <a:highlight>
-                  <a:srgbClr val="FFFFFF"/>
-                </a:highlight>
-                <a:latin typeface="Cascadia Mono" panose="020B0609020000020004" pitchFamily="49" charset="0"/>
-              </a:rPr>
-              <a:t>    </a:t>
-            </a:r>
-            <a:r>
-              <a:rPr lang="en-US" sz="1400" dirty="0">
-                <a:solidFill>
-                  <a:srgbClr val="0000FF"/>
-                </a:solidFill>
-                <a:highlight>
-                  <a:srgbClr val="FFFFFF"/>
-                </a:highlight>
-                <a:latin typeface="Cascadia Mono" panose="020B0609020000020004" pitchFamily="49" charset="0"/>
-              </a:rPr>
-              <a:t>public</a:t>
-            </a:r>
-            <a:r>
-              <a:rPr lang="en-US" sz="1400" dirty="0">
-                <a:solidFill>
-                  <a:srgbClr val="000000"/>
-                </a:solidFill>
-                <a:highlight>
-                  <a:srgbClr val="FFFFFF"/>
-                </a:highlight>
-                <a:latin typeface="Cascadia Mono" panose="020B0609020000020004" pitchFamily="49" charset="0"/>
-              </a:rPr>
-              <a:t> </a:t>
-            </a:r>
-            <a:r>
-              <a:rPr lang="en-US" sz="1400" dirty="0">
-                <a:solidFill>
-                  <a:srgbClr val="0000FF"/>
-                </a:solidFill>
-                <a:highlight>
-                  <a:srgbClr val="FFFFFF"/>
-                </a:highlight>
-                <a:latin typeface="Cascadia Mono" panose="020B0609020000020004" pitchFamily="49" charset="0"/>
-              </a:rPr>
-              <a:t>async</a:t>
-            </a:r>
-            <a:r>
-              <a:rPr lang="en-US" sz="1400" dirty="0">
-                <a:solidFill>
-                  <a:srgbClr val="000000"/>
-                </a:solidFill>
-                <a:highlight>
-                  <a:srgbClr val="FFFFFF"/>
-                </a:highlight>
-                <a:latin typeface="Cascadia Mono" panose="020B0609020000020004" pitchFamily="49" charset="0"/>
-              </a:rPr>
-              <a:t> </a:t>
-            </a:r>
-            <a:r>
-              <a:rPr lang="en-US" sz="1400" dirty="0">
-                <a:solidFill>
-                  <a:srgbClr val="2B91AF"/>
-                </a:solidFill>
-                <a:highlight>
-                  <a:srgbClr val="FFFFFF"/>
-                </a:highlight>
-                <a:latin typeface="Cascadia Mono" panose="020B0609020000020004" pitchFamily="49" charset="0"/>
-              </a:rPr>
-              <a:t>Task</a:t>
-            </a:r>
-            <a:r>
-              <a:rPr lang="en-US" sz="1400" dirty="0">
-                <a:solidFill>
-                  <a:srgbClr val="000000"/>
-                </a:solidFill>
-                <a:highlight>
-                  <a:srgbClr val="FFFFFF"/>
-                </a:highlight>
-                <a:latin typeface="Cascadia Mono" panose="020B0609020000020004" pitchFamily="49" charset="0"/>
-              </a:rPr>
-              <a:t>&lt;</a:t>
-            </a:r>
-            <a:r>
-              <a:rPr lang="en-US" sz="1400" dirty="0">
-                <a:solidFill>
-                  <a:srgbClr val="0000FF"/>
-                </a:solidFill>
-                <a:highlight>
-                  <a:srgbClr val="FFFFFF"/>
-                </a:highlight>
-                <a:latin typeface="Cascadia Mono" panose="020B0609020000020004" pitchFamily="49" charset="0"/>
-              </a:rPr>
-              <a:t>int</a:t>
-            </a:r>
-            <a:r>
-              <a:rPr lang="en-US" sz="1400" dirty="0">
-                <a:solidFill>
-                  <a:srgbClr val="000000"/>
-                </a:solidFill>
-                <a:highlight>
-                  <a:srgbClr val="FFFFFF"/>
-                </a:highlight>
-                <a:latin typeface="Cascadia Mono" panose="020B0609020000020004" pitchFamily="49" charset="0"/>
-              </a:rPr>
-              <a:t>&gt; </a:t>
-            </a:r>
-            <a:r>
-              <a:rPr lang="en-US" sz="1400" dirty="0" err="1">
-                <a:solidFill>
-                  <a:srgbClr val="000000"/>
-                </a:solidFill>
-                <a:highlight>
-                  <a:srgbClr val="FFFFFF"/>
-                </a:highlight>
-                <a:latin typeface="Cascadia Mono" panose="020B0609020000020004" pitchFamily="49" charset="0"/>
-              </a:rPr>
-              <a:t>GetRandomNumberAsync</a:t>
-            </a:r>
-            <a:r>
-              <a:rPr lang="en-US" sz="1400" dirty="0">
-                <a:solidFill>
-                  <a:srgbClr val="000000"/>
-                </a:solidFill>
-                <a:highlight>
-                  <a:srgbClr val="FFFFFF"/>
-                </a:highlight>
-                <a:latin typeface="Cascadia Mono" panose="020B0609020000020004" pitchFamily="49" charset="0"/>
-              </a:rPr>
-              <a:t>()</a:t>
-            </a:r>
-          </a:p>
-          <a:p>
-            <a:pPr marL="0" indent="0">
-              <a:buNone/>
-            </a:pPr>
-            <a:r>
-              <a:rPr lang="fr-FR" sz="1400" dirty="0">
-                <a:solidFill>
-                  <a:srgbClr val="000000"/>
-                </a:solidFill>
-                <a:highlight>
-                  <a:srgbClr val="FFFFFF"/>
-                </a:highlight>
-                <a:latin typeface="Cascadia Mono" panose="020B0609020000020004" pitchFamily="49" charset="0"/>
-              </a:rPr>
-              <a:t>    {</a:t>
-            </a:r>
-          </a:p>
-          <a:p>
-            <a:pPr marL="0" indent="0">
-              <a:buNone/>
-            </a:pPr>
-            <a:r>
-              <a:rPr lang="fr-FR" sz="1400" dirty="0">
-                <a:solidFill>
-                  <a:srgbClr val="000000"/>
-                </a:solidFill>
-                <a:highlight>
-                  <a:srgbClr val="FFFFFF"/>
-                </a:highlight>
-                <a:latin typeface="Cascadia Mono" panose="020B0609020000020004" pitchFamily="49" charset="0"/>
-              </a:rPr>
-              <a:t>        </a:t>
-            </a:r>
-            <a:r>
-              <a:rPr lang="fr-FR" sz="1400" dirty="0" err="1">
-                <a:solidFill>
-                  <a:srgbClr val="2B91AF"/>
-                </a:solidFill>
-                <a:highlight>
-                  <a:srgbClr val="FFFFFF"/>
-                </a:highlight>
-                <a:latin typeface="Cascadia Mono" panose="020B0609020000020004" pitchFamily="49" charset="0"/>
-              </a:rPr>
-              <a:t>Console</a:t>
-            </a:r>
-            <a:r>
-              <a:rPr lang="fr-FR" sz="1400" dirty="0" err="1">
-                <a:solidFill>
-                  <a:srgbClr val="000000"/>
-                </a:solidFill>
-                <a:highlight>
-                  <a:srgbClr val="FFFFFF"/>
-                </a:highlight>
-                <a:latin typeface="Cascadia Mono" panose="020B0609020000020004" pitchFamily="49" charset="0"/>
-              </a:rPr>
-              <a:t>.WriteLine</a:t>
-            </a:r>
-            <a:r>
-              <a:rPr lang="fr-FR" sz="1400" dirty="0">
-                <a:solidFill>
-                  <a:srgbClr val="000000"/>
-                </a:solidFill>
-                <a:highlight>
-                  <a:srgbClr val="FFFFFF"/>
-                </a:highlight>
-                <a:latin typeface="Cascadia Mono" panose="020B0609020000020004" pitchFamily="49" charset="0"/>
-              </a:rPr>
-              <a:t>(</a:t>
-            </a:r>
-            <a:r>
-              <a:rPr lang="fr-FR" sz="1400" dirty="0">
-                <a:solidFill>
-                  <a:srgbClr val="A31515"/>
-                </a:solidFill>
-                <a:highlight>
-                  <a:srgbClr val="FFFFFF"/>
-                </a:highlight>
-                <a:latin typeface="Cascadia Mono" panose="020B0609020000020004" pitchFamily="49" charset="0"/>
-              </a:rPr>
-              <a:t>"[{0}] </a:t>
-            </a:r>
-            <a:r>
-              <a:rPr lang="fr-FR" sz="1400" dirty="0" err="1">
-                <a:solidFill>
-                  <a:srgbClr val="A31515"/>
-                </a:solidFill>
-                <a:highlight>
-                  <a:srgbClr val="FFFFFF"/>
-                </a:highlight>
-                <a:latin typeface="Cascadia Mono" panose="020B0609020000020004" pitchFamily="49" charset="0"/>
-              </a:rPr>
-              <a:t>GetRandomNumber</a:t>
-            </a:r>
-            <a:r>
-              <a:rPr lang="fr-FR" sz="1400" dirty="0">
-                <a:solidFill>
-                  <a:srgbClr val="A31515"/>
-                </a:solidFill>
-                <a:highlight>
-                  <a:srgbClr val="FFFFFF"/>
-                </a:highlight>
-                <a:latin typeface="Cascadia Mono" panose="020B0609020000020004" pitchFamily="49" charset="0"/>
-              </a:rPr>
-              <a:t>"</a:t>
-            </a:r>
-            <a:r>
-              <a:rPr lang="fr-FR" sz="1400" dirty="0">
-                <a:solidFill>
-                  <a:srgbClr val="000000"/>
-                </a:solidFill>
-                <a:highlight>
-                  <a:srgbClr val="FFFFFF"/>
-                </a:highlight>
-                <a:latin typeface="Cascadia Mono" panose="020B0609020000020004" pitchFamily="49" charset="0"/>
-              </a:rPr>
-              <a:t>, </a:t>
-            </a:r>
-            <a:r>
-              <a:rPr lang="fr-FR" sz="1400" dirty="0" err="1">
-                <a:solidFill>
-                  <a:srgbClr val="2B91AF"/>
-                </a:solidFill>
-                <a:highlight>
-                  <a:srgbClr val="FFFFFF"/>
-                </a:highlight>
-                <a:latin typeface="Cascadia Mono" panose="020B0609020000020004" pitchFamily="49" charset="0"/>
-              </a:rPr>
-              <a:t>DateTime</a:t>
-            </a:r>
-            <a:r>
-              <a:rPr lang="fr-FR" sz="1400" dirty="0" err="1">
-                <a:solidFill>
-                  <a:srgbClr val="000000"/>
-                </a:solidFill>
-                <a:highlight>
-                  <a:srgbClr val="FFFFFF"/>
-                </a:highlight>
-                <a:latin typeface="Cascadia Mono" panose="020B0609020000020004" pitchFamily="49" charset="0"/>
-              </a:rPr>
-              <a:t>.Now</a:t>
-            </a:r>
-            <a:r>
-              <a:rPr lang="fr-FR" sz="1400" dirty="0">
-                <a:solidFill>
-                  <a:srgbClr val="000000"/>
-                </a:solidFill>
-                <a:highlight>
-                  <a:srgbClr val="FFFFFF"/>
-                </a:highlight>
-                <a:latin typeface="Cascadia Mono" panose="020B0609020000020004" pitchFamily="49" charset="0"/>
-              </a:rPr>
-              <a:t>);</a:t>
-            </a:r>
-          </a:p>
-          <a:p>
-            <a:pPr marL="0" indent="0">
-              <a:buNone/>
-            </a:pPr>
-            <a:r>
-              <a:rPr lang="fr-FR" sz="1400" dirty="0">
-                <a:solidFill>
-                  <a:srgbClr val="000000"/>
-                </a:solidFill>
-                <a:highlight>
-                  <a:srgbClr val="FFFFFF"/>
-                </a:highlight>
-                <a:latin typeface="Cascadia Mono" panose="020B0609020000020004" pitchFamily="49" charset="0"/>
-              </a:rPr>
-              <a:t>        </a:t>
-            </a:r>
-            <a:r>
-              <a:rPr lang="fr-FR" sz="1400" dirty="0" err="1">
-                <a:solidFill>
-                  <a:srgbClr val="0000FF"/>
-                </a:solidFill>
-                <a:highlight>
-                  <a:srgbClr val="FFFFFF"/>
-                </a:highlight>
-                <a:latin typeface="Cascadia Mono" panose="020B0609020000020004" pitchFamily="49" charset="0"/>
-              </a:rPr>
+              <a:rPr lang="fr-FR" dirty="0"/>
+              <a:t> sera retournée dès que </a:t>
+            </a:r>
+            <a:r>
+              <a:rPr lang="fr-FR" dirty="0" err="1"/>
               <a:t>await</a:t>
             </a:r>
             <a:r>
-              <a:rPr lang="fr-FR" sz="1400" dirty="0">
-                <a:solidFill>
-                  <a:srgbClr val="000000"/>
-                </a:solidFill>
-                <a:highlight>
-                  <a:srgbClr val="FFFFFF"/>
-                </a:highlight>
-                <a:latin typeface="Cascadia Mono" panose="020B0609020000020004" pitchFamily="49" charset="0"/>
-              </a:rPr>
-              <a:t> </a:t>
-            </a:r>
-            <a:r>
-              <a:rPr lang="fr-FR" sz="1400" dirty="0" err="1">
-                <a:solidFill>
-                  <a:srgbClr val="2B91AF"/>
-                </a:solidFill>
-                <a:highlight>
-                  <a:srgbClr val="FFFFFF"/>
-                </a:highlight>
-                <a:latin typeface="Cascadia Mono" panose="020B0609020000020004" pitchFamily="49" charset="0"/>
-              </a:rPr>
-              <a:t>Task</a:t>
-            </a:r>
-            <a:r>
-              <a:rPr lang="fr-FR" sz="1400" dirty="0" err="1">
-                <a:solidFill>
-                  <a:srgbClr val="000000"/>
-                </a:solidFill>
-                <a:highlight>
-                  <a:srgbClr val="FFFFFF"/>
-                </a:highlight>
-                <a:latin typeface="Cascadia Mono" panose="020B0609020000020004" pitchFamily="49" charset="0"/>
-              </a:rPr>
-              <a:t>.Delay</a:t>
-            </a:r>
-            <a:r>
-              <a:rPr lang="fr-FR" sz="1400" dirty="0">
-                <a:solidFill>
-                  <a:srgbClr val="000000"/>
-                </a:solidFill>
-                <a:highlight>
-                  <a:srgbClr val="FFFFFF"/>
-                </a:highlight>
-                <a:latin typeface="Cascadia Mono" panose="020B0609020000020004" pitchFamily="49" charset="0"/>
-              </a:rPr>
-              <a:t>(1000);</a:t>
-            </a:r>
-          </a:p>
-          <a:p>
-            <a:pPr marL="0" indent="0">
-              <a:buNone/>
-            </a:pPr>
-            <a:r>
-              <a:rPr lang="fr-FR" sz="1400" dirty="0">
-                <a:solidFill>
-                  <a:srgbClr val="000000"/>
-                </a:solidFill>
-                <a:highlight>
-                  <a:srgbClr val="FFFFFF"/>
-                </a:highlight>
-                <a:latin typeface="Cascadia Mono" panose="020B0609020000020004" pitchFamily="49" charset="0"/>
-              </a:rPr>
-              <a:t>        </a:t>
-            </a:r>
-            <a:r>
-              <a:rPr lang="fr-FR" sz="1400" dirty="0">
-                <a:solidFill>
-                  <a:srgbClr val="0000FF"/>
-                </a:solidFill>
-                <a:highlight>
-                  <a:srgbClr val="FFFFFF"/>
-                </a:highlight>
-                <a:latin typeface="Cascadia Mono" panose="020B0609020000020004" pitchFamily="49" charset="0"/>
-              </a:rPr>
-              <a:t>return</a:t>
-            </a:r>
-            <a:r>
-              <a:rPr lang="fr-FR" sz="1400" dirty="0">
-                <a:solidFill>
-                  <a:srgbClr val="000000"/>
-                </a:solidFill>
-                <a:highlight>
-                  <a:srgbClr val="FFFFFF"/>
-                </a:highlight>
-                <a:latin typeface="Cascadia Mono" panose="020B0609020000020004" pitchFamily="49" charset="0"/>
-              </a:rPr>
-              <a:t> (</a:t>
-            </a:r>
-            <a:r>
-              <a:rPr lang="fr-FR" sz="1400" dirty="0">
-                <a:solidFill>
-                  <a:srgbClr val="0000FF"/>
-                </a:solidFill>
-                <a:highlight>
-                  <a:srgbClr val="FFFFFF"/>
-                </a:highlight>
-                <a:latin typeface="Cascadia Mono" panose="020B0609020000020004" pitchFamily="49" charset="0"/>
-              </a:rPr>
-              <a:t>new</a:t>
-            </a:r>
-            <a:r>
-              <a:rPr lang="fr-FR" sz="1400" dirty="0">
-                <a:solidFill>
-                  <a:srgbClr val="000000"/>
-                </a:solidFill>
-                <a:highlight>
-                  <a:srgbClr val="FFFFFF"/>
-                </a:highlight>
-                <a:latin typeface="Cascadia Mono" panose="020B0609020000020004" pitchFamily="49" charset="0"/>
-              </a:rPr>
-              <a:t> </a:t>
-            </a:r>
-            <a:r>
-              <a:rPr lang="fr-FR" sz="1400" dirty="0" err="1">
-                <a:solidFill>
-                  <a:srgbClr val="2B91AF"/>
-                </a:solidFill>
-                <a:highlight>
-                  <a:srgbClr val="FFFFFF"/>
-                </a:highlight>
-                <a:latin typeface="Cascadia Mono" panose="020B0609020000020004" pitchFamily="49" charset="0"/>
-              </a:rPr>
-              <a:t>Random</a:t>
-            </a:r>
-            <a:r>
-              <a:rPr lang="fr-FR" sz="1400" dirty="0">
-                <a:solidFill>
-                  <a:srgbClr val="000000"/>
-                </a:solidFill>
-                <a:highlight>
-                  <a:srgbClr val="FFFFFF"/>
-                </a:highlight>
-                <a:latin typeface="Cascadia Mono" panose="020B0609020000020004" pitchFamily="49" charset="0"/>
-              </a:rPr>
-              <a:t>()).Next();</a:t>
-            </a:r>
-          </a:p>
-          <a:p>
-            <a:pPr marL="0" indent="0">
-              <a:buNone/>
-            </a:pPr>
-            <a:r>
-              <a:rPr lang="fr-FR" sz="1400" dirty="0">
-                <a:solidFill>
-                  <a:srgbClr val="000000"/>
-                </a:solidFill>
-                <a:highlight>
-                  <a:srgbClr val="FFFFFF"/>
-                </a:highlight>
-                <a:latin typeface="Cascadia Mono" panose="020B0609020000020004" pitchFamily="49" charset="0"/>
-              </a:rPr>
-              <a:t>    }</a:t>
-            </a:r>
-          </a:p>
-          <a:p>
-            <a:pPr marL="0" indent="0">
-              <a:buNone/>
-            </a:pPr>
-            <a:r>
-              <a:rPr lang="fr-FR" sz="1400" dirty="0">
-                <a:solidFill>
-                  <a:srgbClr val="000000"/>
-                </a:solidFill>
-                <a:highlight>
-                  <a:srgbClr val="FFFFFF"/>
-                </a:highlight>
-                <a:latin typeface="Cascadia Mono" panose="020B0609020000020004" pitchFamily="49" charset="0"/>
-              </a:rPr>
-              <a:t>    </a:t>
-            </a:r>
-            <a:r>
-              <a:rPr lang="fr-FR" sz="1400" dirty="0">
-                <a:solidFill>
-                  <a:srgbClr val="0000FF"/>
-                </a:solidFill>
-                <a:highlight>
-                  <a:srgbClr val="FFFFFF"/>
-                </a:highlight>
-                <a:latin typeface="Cascadia Mono" panose="020B0609020000020004" pitchFamily="49" charset="0"/>
-              </a:rPr>
-              <a:t>public</a:t>
-            </a:r>
-            <a:r>
-              <a:rPr lang="fr-FR" sz="1400" dirty="0">
-                <a:solidFill>
-                  <a:srgbClr val="000000"/>
-                </a:solidFill>
-                <a:highlight>
-                  <a:srgbClr val="FFFFFF"/>
-                </a:highlight>
-                <a:latin typeface="Cascadia Mono" panose="020B0609020000020004" pitchFamily="49" charset="0"/>
-              </a:rPr>
-              <a:t> </a:t>
-            </a:r>
-            <a:r>
-              <a:rPr lang="fr-FR" sz="1400" dirty="0" err="1">
-                <a:solidFill>
-                  <a:srgbClr val="0000FF"/>
-                </a:solidFill>
-                <a:highlight>
-                  <a:srgbClr val="FFFFFF"/>
-                </a:highlight>
-                <a:latin typeface="Cascadia Mono" panose="020B0609020000020004" pitchFamily="49" charset="0"/>
-              </a:rPr>
-              <a:t>async</a:t>
-            </a:r>
-            <a:r>
-              <a:rPr lang="fr-FR" sz="1400" dirty="0">
-                <a:solidFill>
-                  <a:srgbClr val="000000"/>
-                </a:solidFill>
-                <a:highlight>
-                  <a:srgbClr val="FFFFFF"/>
-                </a:highlight>
-                <a:latin typeface="Cascadia Mono" panose="020B0609020000020004" pitchFamily="49" charset="0"/>
-              </a:rPr>
-              <a:t> </a:t>
-            </a:r>
-            <a:r>
-              <a:rPr lang="fr-FR" sz="1400" dirty="0" err="1">
-                <a:solidFill>
-                  <a:srgbClr val="2B91AF"/>
-                </a:solidFill>
-                <a:highlight>
-                  <a:srgbClr val="FFFFFF"/>
-                </a:highlight>
-                <a:latin typeface="Cascadia Mono" panose="020B0609020000020004" pitchFamily="49" charset="0"/>
-              </a:rPr>
-              <a:t>Task</a:t>
-            </a:r>
-            <a:r>
-              <a:rPr lang="fr-FR" sz="1400" dirty="0">
-                <a:solidFill>
-                  <a:srgbClr val="000000"/>
-                </a:solidFill>
-                <a:highlight>
-                  <a:srgbClr val="FFFFFF"/>
-                </a:highlight>
-                <a:latin typeface="Cascadia Mono" panose="020B0609020000020004" pitchFamily="49" charset="0"/>
-              </a:rPr>
-              <a:t>&lt;</a:t>
-            </a:r>
-            <a:r>
-              <a:rPr lang="fr-FR" sz="1400" dirty="0">
-                <a:solidFill>
-                  <a:srgbClr val="0000FF"/>
-                </a:solidFill>
-                <a:highlight>
-                  <a:srgbClr val="FFFFFF"/>
-                </a:highlight>
-                <a:latin typeface="Cascadia Mono" panose="020B0609020000020004" pitchFamily="49" charset="0"/>
-              </a:rPr>
-              <a:t>string</a:t>
-            </a:r>
-            <a:r>
-              <a:rPr lang="fr-FR" sz="1400" dirty="0">
-                <a:solidFill>
-                  <a:srgbClr val="000000"/>
-                </a:solidFill>
-                <a:highlight>
-                  <a:srgbClr val="FFFFFF"/>
-                </a:highlight>
-                <a:latin typeface="Cascadia Mono" panose="020B0609020000020004" pitchFamily="49" charset="0"/>
-              </a:rPr>
-              <a:t>&gt; </a:t>
-            </a:r>
-            <a:r>
-              <a:rPr lang="fr-FR" sz="1400" dirty="0" err="1">
-                <a:solidFill>
-                  <a:srgbClr val="000000"/>
-                </a:solidFill>
-                <a:highlight>
-                  <a:srgbClr val="FFFFFF"/>
-                </a:highlight>
-                <a:latin typeface="Cascadia Mono" panose="020B0609020000020004" pitchFamily="49" charset="0"/>
-              </a:rPr>
-              <a:t>GetSpecialStringAsync</a:t>
-            </a:r>
-            <a:r>
-              <a:rPr lang="fr-FR" sz="1400" dirty="0">
-                <a:solidFill>
-                  <a:srgbClr val="000000"/>
-                </a:solidFill>
-                <a:highlight>
-                  <a:srgbClr val="FFFFFF"/>
-                </a:highlight>
-                <a:latin typeface="Cascadia Mono" panose="020B0609020000020004" pitchFamily="49" charset="0"/>
-              </a:rPr>
-              <a:t>(</a:t>
-            </a:r>
-            <a:r>
-              <a:rPr lang="fr-FR" sz="1400" dirty="0">
-                <a:solidFill>
-                  <a:srgbClr val="0000FF"/>
-                </a:solidFill>
-                <a:highlight>
-                  <a:srgbClr val="FFFFFF"/>
-                </a:highlight>
-                <a:latin typeface="Cascadia Mono" panose="020B0609020000020004" pitchFamily="49" charset="0"/>
-              </a:rPr>
-              <a:t>string</a:t>
-            </a:r>
-            <a:r>
-              <a:rPr lang="fr-FR" sz="1400" dirty="0">
-                <a:solidFill>
-                  <a:srgbClr val="000000"/>
-                </a:solidFill>
-                <a:highlight>
-                  <a:srgbClr val="FFFFFF"/>
-                </a:highlight>
-                <a:latin typeface="Cascadia Mono" panose="020B0609020000020004" pitchFamily="49" charset="0"/>
-              </a:rPr>
-              <a:t> message)</a:t>
-            </a:r>
-          </a:p>
-          <a:p>
-            <a:pPr marL="0" indent="0">
-              <a:buNone/>
-            </a:pPr>
-            <a:r>
-              <a:rPr lang="fr-FR" sz="1400" dirty="0">
-                <a:solidFill>
-                  <a:srgbClr val="000000"/>
-                </a:solidFill>
-                <a:highlight>
-                  <a:srgbClr val="FFFFFF"/>
-                </a:highlight>
-                <a:latin typeface="Cascadia Mono" panose="020B0609020000020004" pitchFamily="49" charset="0"/>
-              </a:rPr>
-              <a:t>    {</a:t>
-            </a:r>
-          </a:p>
-          <a:p>
-            <a:pPr marL="0" indent="0">
-              <a:buNone/>
-            </a:pPr>
-            <a:r>
-              <a:rPr lang="fr-FR" sz="1400" dirty="0">
-                <a:solidFill>
-                  <a:srgbClr val="000000"/>
-                </a:solidFill>
-                <a:highlight>
-                  <a:srgbClr val="FFFFFF"/>
-                </a:highlight>
-                <a:latin typeface="Cascadia Mono" panose="020B0609020000020004" pitchFamily="49" charset="0"/>
-              </a:rPr>
-              <a:t>        </a:t>
-            </a:r>
-            <a:r>
-              <a:rPr lang="fr-FR" sz="1400" dirty="0" err="1">
-                <a:solidFill>
-                  <a:srgbClr val="2B91AF"/>
-                </a:solidFill>
-                <a:highlight>
-                  <a:srgbClr val="FFFFFF"/>
-                </a:highlight>
-                <a:latin typeface="Cascadia Mono" panose="020B0609020000020004" pitchFamily="49" charset="0"/>
-              </a:rPr>
-              <a:t>Console</a:t>
-            </a:r>
-            <a:r>
-              <a:rPr lang="fr-FR" sz="1400" dirty="0" err="1">
-                <a:solidFill>
-                  <a:srgbClr val="000000"/>
-                </a:solidFill>
-                <a:highlight>
-                  <a:srgbClr val="FFFFFF"/>
-                </a:highlight>
-                <a:latin typeface="Cascadia Mono" panose="020B0609020000020004" pitchFamily="49" charset="0"/>
-              </a:rPr>
-              <a:t>.WriteLine</a:t>
-            </a:r>
-            <a:r>
-              <a:rPr lang="fr-FR" sz="1400" dirty="0">
-                <a:solidFill>
-                  <a:srgbClr val="000000"/>
-                </a:solidFill>
-                <a:highlight>
-                  <a:srgbClr val="FFFFFF"/>
-                </a:highlight>
-                <a:latin typeface="Cascadia Mono" panose="020B0609020000020004" pitchFamily="49" charset="0"/>
-              </a:rPr>
-              <a:t>(</a:t>
-            </a:r>
-            <a:r>
-              <a:rPr lang="fr-FR" sz="1400" dirty="0">
-                <a:solidFill>
-                  <a:srgbClr val="A31515"/>
-                </a:solidFill>
-                <a:highlight>
-                  <a:srgbClr val="FFFFFF"/>
-                </a:highlight>
-                <a:latin typeface="Cascadia Mono" panose="020B0609020000020004" pitchFamily="49" charset="0"/>
-              </a:rPr>
-              <a:t>"[{0}] </a:t>
-            </a:r>
-            <a:r>
-              <a:rPr lang="fr-FR" sz="1400" dirty="0" err="1">
-                <a:solidFill>
-                  <a:srgbClr val="A31515"/>
-                </a:solidFill>
-                <a:highlight>
-                  <a:srgbClr val="FFFFFF"/>
-                </a:highlight>
-                <a:latin typeface="Cascadia Mono" panose="020B0609020000020004" pitchFamily="49" charset="0"/>
-              </a:rPr>
-              <a:t>GetSpecialString</a:t>
-            </a:r>
-            <a:r>
-              <a:rPr lang="fr-FR" sz="1400" dirty="0">
-                <a:solidFill>
-                  <a:srgbClr val="A31515"/>
-                </a:solidFill>
-                <a:highlight>
-                  <a:srgbClr val="FFFFFF"/>
-                </a:highlight>
-                <a:latin typeface="Cascadia Mono" panose="020B0609020000020004" pitchFamily="49" charset="0"/>
-              </a:rPr>
-              <a:t>"</a:t>
-            </a:r>
-            <a:r>
-              <a:rPr lang="fr-FR" sz="1400" dirty="0">
-                <a:solidFill>
-                  <a:srgbClr val="000000"/>
-                </a:solidFill>
-                <a:highlight>
-                  <a:srgbClr val="FFFFFF"/>
-                </a:highlight>
-                <a:latin typeface="Cascadia Mono" panose="020B0609020000020004" pitchFamily="49" charset="0"/>
-              </a:rPr>
-              <a:t>, </a:t>
-            </a:r>
-            <a:r>
-              <a:rPr lang="fr-FR" sz="1400" dirty="0" err="1">
-                <a:solidFill>
-                  <a:srgbClr val="2B91AF"/>
-                </a:solidFill>
-                <a:highlight>
-                  <a:srgbClr val="FFFFFF"/>
-                </a:highlight>
-                <a:latin typeface="Cascadia Mono" panose="020B0609020000020004" pitchFamily="49" charset="0"/>
-              </a:rPr>
-              <a:t>DateTime</a:t>
-            </a:r>
-            <a:r>
-              <a:rPr lang="fr-FR" sz="1400" dirty="0" err="1">
-                <a:solidFill>
-                  <a:srgbClr val="000000"/>
-                </a:solidFill>
-                <a:highlight>
-                  <a:srgbClr val="FFFFFF"/>
-                </a:highlight>
-                <a:latin typeface="Cascadia Mono" panose="020B0609020000020004" pitchFamily="49" charset="0"/>
-              </a:rPr>
-              <a:t>.Now</a:t>
-            </a:r>
-            <a:r>
-              <a:rPr lang="fr-FR" sz="1400" dirty="0">
-                <a:solidFill>
-                  <a:srgbClr val="000000"/>
-                </a:solidFill>
-                <a:highlight>
-                  <a:srgbClr val="FFFFFF"/>
-                </a:highlight>
-                <a:latin typeface="Cascadia Mono" panose="020B0609020000020004" pitchFamily="49" charset="0"/>
-              </a:rPr>
-              <a:t>);</a:t>
-            </a:r>
-          </a:p>
-          <a:p>
-            <a:pPr marL="0" indent="0">
-              <a:buNone/>
-            </a:pPr>
-            <a:r>
-              <a:rPr lang="fr-FR" sz="1400" dirty="0">
-                <a:solidFill>
-                  <a:srgbClr val="000000"/>
-                </a:solidFill>
-                <a:highlight>
-                  <a:srgbClr val="FFFFFF"/>
-                </a:highlight>
-                <a:latin typeface="Cascadia Mono" panose="020B0609020000020004" pitchFamily="49" charset="0"/>
-              </a:rPr>
-              <a:t>        </a:t>
-            </a:r>
-            <a:r>
-              <a:rPr lang="fr-FR" sz="1400" dirty="0" err="1">
-                <a:solidFill>
-                  <a:srgbClr val="0000FF"/>
-                </a:solidFill>
-                <a:highlight>
-                  <a:srgbClr val="FFFFFF"/>
-                </a:highlight>
-                <a:latin typeface="Cascadia Mono" panose="020B0609020000020004" pitchFamily="49" charset="0"/>
-              </a:rPr>
+              <a:rPr lang="fr-FR" dirty="0"/>
+              <a:t> sera rencontré</a:t>
+            </a:r>
+          </a:p>
+          <a:p>
+            <a:pPr lvl="1"/>
+            <a:r>
+              <a:rPr lang="fr-FR" dirty="0" err="1"/>
+              <a:t>Await</a:t>
+            </a:r>
+            <a:r>
+              <a:rPr lang="fr-FR" dirty="0"/>
+              <a:t> n’est finalement traduit que par un callback qui reviendra continuer le travail</a:t>
+            </a:r>
+          </a:p>
+          <a:p>
+            <a:pPr lvl="1"/>
+            <a:r>
+              <a:rPr lang="fr-FR" dirty="0"/>
+              <a:t>C’est l’écriture fastidieuse de ce callback que </a:t>
+            </a:r>
+            <a:r>
+              <a:rPr lang="fr-FR" dirty="0" err="1"/>
               <a:t>await</a:t>
             </a:r>
             <a:r>
-              <a:rPr lang="fr-FR" sz="1400" dirty="0">
-                <a:solidFill>
-                  <a:srgbClr val="000000"/>
-                </a:solidFill>
-                <a:highlight>
-                  <a:srgbClr val="FFFFFF"/>
-                </a:highlight>
-                <a:latin typeface="Cascadia Mono" panose="020B0609020000020004" pitchFamily="49" charset="0"/>
-              </a:rPr>
-              <a:t> </a:t>
-            </a:r>
-            <a:r>
-              <a:rPr lang="fr-FR" sz="1400" dirty="0" err="1">
-                <a:solidFill>
-                  <a:srgbClr val="2B91AF"/>
-                </a:solidFill>
-                <a:highlight>
-                  <a:srgbClr val="FFFFFF"/>
-                </a:highlight>
-                <a:latin typeface="Cascadia Mono" panose="020B0609020000020004" pitchFamily="49" charset="0"/>
-              </a:rPr>
-              <a:t>Task</a:t>
-            </a:r>
-            <a:r>
-              <a:rPr lang="fr-FR" sz="1400" dirty="0" err="1">
-                <a:solidFill>
-                  <a:srgbClr val="000000"/>
-                </a:solidFill>
-                <a:highlight>
-                  <a:srgbClr val="FFFFFF"/>
-                </a:highlight>
-                <a:latin typeface="Cascadia Mono" panose="020B0609020000020004" pitchFamily="49" charset="0"/>
-              </a:rPr>
-              <a:t>.Delay</a:t>
-            </a:r>
-            <a:r>
-              <a:rPr lang="fr-FR" sz="1400" dirty="0">
-                <a:solidFill>
-                  <a:srgbClr val="000000"/>
-                </a:solidFill>
-                <a:highlight>
-                  <a:srgbClr val="FFFFFF"/>
-                </a:highlight>
-                <a:latin typeface="Cascadia Mono" panose="020B0609020000020004" pitchFamily="49" charset="0"/>
-              </a:rPr>
-              <a:t>(1500);</a:t>
-            </a:r>
-          </a:p>
-          <a:p>
-            <a:pPr marL="0" indent="0">
-              <a:buNone/>
-            </a:pPr>
-            <a:r>
-              <a:rPr lang="fr-FR" sz="1400" dirty="0">
-                <a:solidFill>
-                  <a:srgbClr val="000000"/>
-                </a:solidFill>
-                <a:highlight>
-                  <a:srgbClr val="FFFFFF"/>
-                </a:highlight>
-                <a:latin typeface="Cascadia Mono" panose="020B0609020000020004" pitchFamily="49" charset="0"/>
-              </a:rPr>
-              <a:t>        </a:t>
-            </a:r>
-            <a:r>
-              <a:rPr lang="fr-FR" sz="1400" dirty="0">
-                <a:solidFill>
-                  <a:srgbClr val="0000FF"/>
-                </a:solidFill>
-                <a:highlight>
-                  <a:srgbClr val="FFFFFF"/>
-                </a:highlight>
-                <a:latin typeface="Cascadia Mono" panose="020B0609020000020004" pitchFamily="49" charset="0"/>
-              </a:rPr>
-              <a:t>return</a:t>
-            </a:r>
-            <a:r>
-              <a:rPr lang="fr-FR" sz="1400" dirty="0">
-                <a:solidFill>
-                  <a:srgbClr val="000000"/>
-                </a:solidFill>
-                <a:highlight>
-                  <a:srgbClr val="FFFFFF"/>
-                </a:highlight>
-                <a:latin typeface="Cascadia Mono" panose="020B0609020000020004" pitchFamily="49" charset="0"/>
-              </a:rPr>
-              <a:t> </a:t>
-            </a:r>
-            <a:r>
-              <a:rPr lang="fr-FR" sz="1400" dirty="0" err="1">
-                <a:solidFill>
-                  <a:srgbClr val="0000FF"/>
-                </a:solidFill>
-                <a:highlight>
-                  <a:srgbClr val="FFFFFF"/>
-                </a:highlight>
-                <a:latin typeface="Cascadia Mono" panose="020B0609020000020004" pitchFamily="49" charset="0"/>
-              </a:rPr>
-              <a:t>string</a:t>
-            </a:r>
-            <a:r>
-              <a:rPr lang="fr-FR" sz="1400" dirty="0" err="1">
-                <a:solidFill>
-                  <a:srgbClr val="000000"/>
-                </a:solidFill>
-                <a:highlight>
-                  <a:srgbClr val="FFFFFF"/>
-                </a:highlight>
-                <a:latin typeface="Cascadia Mono" panose="020B0609020000020004" pitchFamily="49" charset="0"/>
-              </a:rPr>
-              <a:t>.IsNullOrEmpty</a:t>
-            </a:r>
-            <a:r>
-              <a:rPr lang="fr-FR" sz="1400" dirty="0">
-                <a:solidFill>
-                  <a:srgbClr val="000000"/>
-                </a:solidFill>
-                <a:highlight>
-                  <a:srgbClr val="FFFFFF"/>
-                </a:highlight>
-                <a:latin typeface="Cascadia Mono" panose="020B0609020000020004" pitchFamily="49" charset="0"/>
-              </a:rPr>
-              <a:t>(message) ? </a:t>
-            </a:r>
-            <a:r>
-              <a:rPr lang="fr-FR" sz="1400" dirty="0">
-                <a:solidFill>
-                  <a:srgbClr val="A31515"/>
-                </a:solidFill>
-                <a:highlight>
-                  <a:srgbClr val="FFFFFF"/>
-                </a:highlight>
-                <a:latin typeface="Cascadia Mono" panose="020B0609020000020004" pitchFamily="49" charset="0"/>
-              </a:rPr>
-              <a:t>"&lt;RIEN&gt;"</a:t>
-            </a:r>
-            <a:r>
-              <a:rPr lang="fr-FR" sz="1400" dirty="0">
-                <a:solidFill>
-                  <a:srgbClr val="000000"/>
-                </a:solidFill>
-                <a:highlight>
-                  <a:srgbClr val="FFFFFF"/>
-                </a:highlight>
-                <a:latin typeface="Cascadia Mono" panose="020B0609020000020004" pitchFamily="49" charset="0"/>
-              </a:rPr>
-              <a:t> : </a:t>
-            </a:r>
-            <a:r>
-              <a:rPr lang="fr-FR" sz="1400" dirty="0" err="1">
-                <a:solidFill>
-                  <a:srgbClr val="000000"/>
-                </a:solidFill>
-                <a:highlight>
-                  <a:srgbClr val="FFFFFF"/>
-                </a:highlight>
-                <a:latin typeface="Cascadia Mono" panose="020B0609020000020004" pitchFamily="49" charset="0"/>
-              </a:rPr>
-              <a:t>message.ToUpper</a:t>
-            </a:r>
-            <a:r>
-              <a:rPr lang="fr-FR" sz="1400" dirty="0">
-                <a:solidFill>
-                  <a:srgbClr val="000000"/>
-                </a:solidFill>
-                <a:highlight>
-                  <a:srgbClr val="FFFFFF"/>
-                </a:highlight>
-                <a:latin typeface="Cascadia Mono" panose="020B0609020000020004" pitchFamily="49" charset="0"/>
-              </a:rPr>
-              <a:t>();</a:t>
-            </a:r>
-          </a:p>
-          <a:p>
-            <a:pPr marL="0" indent="0">
-              <a:buNone/>
-            </a:pPr>
-            <a:r>
-              <a:rPr lang="fr-FR" sz="1400" dirty="0">
-                <a:solidFill>
-                  <a:srgbClr val="000000"/>
-                </a:solidFill>
-                <a:highlight>
-                  <a:srgbClr val="FFFFFF"/>
-                </a:highlight>
-                <a:latin typeface="Cascadia Mono" panose="020B0609020000020004" pitchFamily="49" charset="0"/>
-              </a:rPr>
-              <a:t>    }</a:t>
-            </a:r>
-          </a:p>
-          <a:p>
-            <a:pPr marL="0" indent="0">
-              <a:buNone/>
-            </a:pPr>
-            <a:r>
-              <a:rPr lang="fr-FR" sz="1400" dirty="0">
-                <a:solidFill>
-                  <a:srgbClr val="000000"/>
-                </a:solidFill>
-                <a:highlight>
-                  <a:srgbClr val="FFFFFF"/>
-                </a:highlight>
-                <a:latin typeface="Cascadia Mono" panose="020B0609020000020004" pitchFamily="49" charset="0"/>
-              </a:rPr>
-              <a:t>}</a:t>
-            </a:r>
-            <a:endParaRPr lang="fr-FR" sz="2000" dirty="0"/>
+              <a:rPr lang="fr-FR" dirty="0"/>
+              <a:t> nous évite</a:t>
+            </a:r>
           </a:p>
         </p:txBody>
       </p:sp>
     </p:spTree>
     <p:extLst>
       <p:ext uri="{BB962C8B-B14F-4D97-AF65-F5344CB8AC3E}">
-        <p14:creationId xmlns:p14="http://schemas.microsoft.com/office/powerpoint/2010/main" val="534830049"/>
+        <p14:creationId xmlns:p14="http://schemas.microsoft.com/office/powerpoint/2010/main" val="2016797866"/>
       </p:ext>
     </p:extLst>
   </p:cSld>
@@ -13286,14 +13286,6 @@
             <a:r>
               <a:rPr lang="fr-FR" dirty="0"/>
               <a:t> = </a:t>
-            </a:r>
-            <a:r>
-              <a:rPr lang="fr-FR" dirty="0" err="1"/>
-              <a:t>await</a:t>
-            </a:r>
-            <a:r>
-              <a:rPr lang="fr-FR" dirty="0"/>
-              <a:t> </a:t>
             </a:r>
             <a:r>
               <a:rPr lang="fr-FR" dirty="0" err="1"/>
